--- a/CEMS Poster 430.pptx
+++ b/CEMS Poster 430.pptx
@@ -212,7 +212,7 @@
 <file path=ppt/revisionInfo.xml><?xml version="1.0" encoding="utf-8"?>
 <p1510:revInfo xmlns:a="http://schemas.openxmlformats.org/drawingml/2006/main" xmlns:r="http://schemas.openxmlformats.org/officeDocument/2006/relationships" xmlns:p1510="http://schemas.microsoft.com/office/powerpoint/2015/10/main">
   <p1510:revLst>
-    <p1510:client id="{8890F3CB-2162-D141-90A2-31E65BC3766F}" v="135" dt="2024-11-02T19:30:42.442"/>
+    <p1510:client id="{D09F29F9-AF29-9F4F-F686-DCFBCE7D50FE}" v="1282" dt="2024-11-05T17:16:18.089"/>
   </p1510:revLst>
 </p1510:revInfo>
 </file>
@@ -4963,7 +4963,7 @@
           </a:extLst>
         </p:spPr>
         <p:txBody>
-          <a:bodyPr lIns="914400" tIns="457200" rIns="914400" bIns="914400"/>
+          <a:bodyPr lIns="914400" tIns="457200" rIns="914400" bIns="914400" anchor="t"/>
           <a:lstStyle>
             <a:lvl1pPr>
               <a:spcBef>
@@ -5130,76 +5130,120 @@
               </a:rPr>
               <a:t>Conclusions</a:t>
             </a:r>
-            <a:endParaRPr lang="en-US" altLang="en-US" sz="4400" b="1" dirty="0">
-              <a:latin typeface="Helvetica" pitchFamily="2" charset="0"/>
+          </a:p>
+          <a:p>
+            <a:pPr>
+              <a:spcBef>
+                <a:spcPct val="50000"/>
+              </a:spcBef>
+              <a:buNone/>
+            </a:pPr>
+            <a:r>
+              <a:rPr lang="en-US" altLang="en-US" sz="2400" dirty="0">
+                <a:solidFill>
+                  <a:srgbClr val="000000"/>
+                </a:solidFill>
+                <a:latin typeface="Helvetica"/>
+                <a:cs typeface="Helvetica"/>
+              </a:rPr>
+              <a:t>Looking at our results, we can see how well each algorithms performed with our different texts and finding "the" in our chosen texts.</a:t>
+            </a:r>
+          </a:p>
+          <a:p>
+            <a:pPr>
+              <a:spcBef>
+                <a:spcPct val="50000"/>
+              </a:spcBef>
+              <a:buNone/>
+            </a:pPr>
+            <a:r>
+              <a:rPr lang="en-US" altLang="en-US" sz="2400" dirty="0">
+                <a:solidFill>
+                  <a:srgbClr val="000000"/>
+                </a:solidFill>
+                <a:latin typeface="Helvetica"/>
+                <a:cs typeface="Helvetica"/>
+              </a:rPr>
+              <a:t>Looking at our times across all the texts, we see that no matter what scale the dataset is, the Boyer-Moore algorithm consistently runs quicker and finds the string faster than any other of the algorithms. </a:t>
+            </a:r>
+          </a:p>
+          <a:p>
+            <a:pPr>
+              <a:spcBef>
+                <a:spcPct val="50000"/>
+              </a:spcBef>
+              <a:buNone/>
+            </a:pPr>
+            <a:r>
+              <a:rPr lang="en-US" altLang="en-US" sz="2400" dirty="0">
+                <a:solidFill>
+                  <a:srgbClr val="000000"/>
+                </a:solidFill>
+                <a:latin typeface="Helvetica"/>
+                <a:cs typeface="Helvetica"/>
+              </a:rPr>
+              <a:t>When we compare the speeds of the other two algorithms, we see that the Rabin-Karp algorithm is the slowest option of the three.</a:t>
+            </a:r>
+          </a:p>
+          <a:p>
+            <a:pPr>
+              <a:spcBef>
+                <a:spcPct val="50000"/>
+              </a:spcBef>
+              <a:buNone/>
+            </a:pPr>
+            <a:r>
+              <a:rPr lang="en-US" altLang="en-US" sz="2400" dirty="0">
+                <a:solidFill>
+                  <a:srgbClr val="000000"/>
+                </a:solidFill>
+                <a:latin typeface="Helvetica"/>
+                <a:cs typeface="Helvetica"/>
+              </a:rPr>
+              <a:t>The way that Rabin-Karp works, we have an average and best-case time complexity of O(m + n) where m equals the length of the pattern, which is "the" in our case, and n is the length of the text , but in the worst-case we have a time complexity of O(</a:t>
+            </a:r>
+            <a:r>
+              <a:rPr lang="en-US" altLang="en-US" sz="2400" dirty="0" err="1">
+                <a:solidFill>
+                  <a:srgbClr val="000000"/>
+                </a:solidFill>
+                <a:latin typeface="Helvetica"/>
+                <a:cs typeface="Helvetica"/>
+              </a:rPr>
+              <a:t>mn</a:t>
+            </a:r>
+            <a:r>
+              <a:rPr lang="en-US" altLang="en-US" sz="2400" dirty="0">
+                <a:solidFill>
+                  <a:srgbClr val="000000"/>
+                </a:solidFill>
+                <a:latin typeface="Helvetica"/>
+                <a:cs typeface="Helvetica"/>
+              </a:rPr>
+              <a:t>). </a:t>
+            </a:r>
+          </a:p>
+          <a:p>
+            <a:pPr>
+              <a:spcBef>
+                <a:spcPct val="50000"/>
+              </a:spcBef>
+              <a:buNone/>
+            </a:pPr>
+            <a:r>
+              <a:rPr lang="en-US" altLang="en-US" sz="2400" dirty="0">
+                <a:solidFill>
+                  <a:srgbClr val="000000"/>
+                </a:solidFill>
+                <a:latin typeface="Helvetica"/>
+                <a:cs typeface="Helvetica"/>
+              </a:rPr>
+              <a:t>The Brute Force algorithm has the same complexity for the worst case, which means that even though they both have similar time complexities, we're getting the worst-case scenario for Rabin-Karp and a better scenario for the Brute Force algorithm.</a:t>
+            </a:r>
+            <a:endParaRPr lang="en-US" altLang="en-US" sz="2400" dirty="0">
+              <a:latin typeface="Helvetica"/>
+              <a:cs typeface="Helvetica"/>
             </a:endParaRPr>
-          </a:p>
-          <a:p>
-            <a:pPr eaLnBrk="1" hangingPunct="1">
-              <a:spcBef>
-                <a:spcPct val="10000"/>
-              </a:spcBef>
-              <a:buFontTx/>
-              <a:buNone/>
-            </a:pPr>
-            <a:r>
-              <a:rPr lang="en-US" altLang="en-US" sz="2400" dirty="0"/>
-              <a:t>You can, of course, start your conclusions in column #3 if your results section is “data light.”</a:t>
-            </a:r>
-          </a:p>
-          <a:p>
-            <a:pPr eaLnBrk="1" hangingPunct="1">
-              <a:spcBef>
-                <a:spcPct val="10000"/>
-              </a:spcBef>
-              <a:buFontTx/>
-              <a:buNone/>
-            </a:pPr>
-            <a:endParaRPr lang="en-US" altLang="en-US" sz="2400" dirty="0"/>
-          </a:p>
-          <a:p>
-            <a:pPr eaLnBrk="1" hangingPunct="1">
-              <a:spcBef>
-                <a:spcPct val="10000"/>
-              </a:spcBef>
-              <a:buFontTx/>
-              <a:buNone/>
-            </a:pPr>
-            <a:r>
-              <a:rPr lang="en-US" altLang="en-US" sz="2400" dirty="0"/>
-              <a:t>Conclusions should not be mere reminders of your results.  Instead, you want to guide the reader through what you have </a:t>
-            </a:r>
-            <a:r>
-              <a:rPr lang="en-US" altLang="en-US" sz="2400" i="1" dirty="0"/>
-              <a:t>concluded</a:t>
-            </a:r>
-            <a:r>
-              <a:rPr lang="en-US" altLang="en-US" sz="2400" dirty="0"/>
-              <a:t> from the results.  What is the broader significance?  Would anyone be mildly surprised? Why should anyone care? This section should refer back, explicitly, to the “burning issue” mentioned in the introduction. If you didn’t mention a burning issue in the introduction, go back and fix that -- your poster should have made a good case for why this experiment was worthwhile.</a:t>
-            </a:r>
-          </a:p>
-          <a:p>
-            <a:pPr eaLnBrk="1" hangingPunct="1">
-              <a:spcBef>
-                <a:spcPct val="10000"/>
-              </a:spcBef>
-              <a:buFontTx/>
-              <a:buNone/>
-            </a:pPr>
-            <a:endParaRPr lang="en-US" altLang="en-US" sz="2400" dirty="0"/>
-          </a:p>
-          <a:p>
-            <a:pPr eaLnBrk="1" hangingPunct="1">
-              <a:spcBef>
-                <a:spcPct val="10000"/>
-              </a:spcBef>
-              <a:buFontTx/>
-              <a:buNone/>
-            </a:pPr>
-            <a:r>
-              <a:rPr lang="en-US" altLang="en-US" sz="2400" dirty="0"/>
-              <a:t>Blah, blah, blah. Blah, blah, blah. Blah, blah, blah. Blah, blah, blah. Blah, blah, blah. Blah, blah, blah. Blah, blah, blah. Blah, blah, blah. Blah, blah, blah. Blah, blah, blah. Blah, blah, blah. Blah, blah, blah. Blah, blah, blah. Blah, blah, blah. Blah, blah, blah. Blah, blah, blah. Blah, blah, blah. Blah, blah, blah. Blah, blah, blah. Blah, blah, blah. Blah, blah, blah. Blah, blah, blah. Blah, blah, blah.</a:t>
-            </a:r>
           </a:p>
         </p:txBody>
       </p:sp>

--- a/CEMS Poster 430.pptx
+++ b/CEMS Poster 430.pptx
@@ -4716,15 +4716,7 @@
             </a:pPr>
             <a:r>
               <a:rPr lang="en-US" altLang="en-US" sz="2400" dirty="0"/>
-              <a:t>The Boyer-Moore algorithm is one of the most efficient string-matching approaches. It’s efficiency derives from its use of *Bad Character* and the *Good Suffix* rules, which decreases the number of comparisons needed to be made in a search for a pattern in a dataset . In the case of Boyer-Moore, it scans from right to left and skipping portions of the text when mismatches occur; this enables it to make large jumps, especially with unique or repetitive patterns (Figure 1). According to </a:t>
-            </a:r>
-            <a:r>
-              <a:rPr lang="en-US" altLang="en-US" sz="2400" dirty="0" err="1"/>
-              <a:t>GeeksforGeeks</a:t>
-            </a:r>
-            <a:r>
-              <a:rPr lang="en-US" altLang="en-US" sz="2400" dirty="0"/>
-              <a:t> (2024) this gives an average time complexity of (O(n/m)), where (n) is the length of the text and (m) is the length of the pattern. Hence, it is faster for typical inputs compared to algorithms such as Brute Force. It has a best-case and average time complexity of O(n/m), </a:t>
+              <a:t>Rabin-Karp algorithms utilizes hashes to save the text and pattern to check if the inputted pattern, the word “the” in our case, to check if the text contains the pattern. It uses a for loop to check if the pattern matches the hash set and if it doesn’t then the hash for the text moves up based on the length of the pattern to restart the process until either the entirety of the text is gone through or the pattern is found in the text.</a:t>
             </a:r>
           </a:p>
           <a:p>
@@ -5238,7 +5230,7 @@
                 <a:latin typeface="Helvetica"/>
                 <a:cs typeface="Helvetica"/>
               </a:rPr>
-              <a:t>The Brute Force algorithm has the same complexity for the worst case, which means that even though they both have similar time complexities, we're getting the worst-case scenario for Rabin-Karp and a better scenario for the Brute Force algorithm.</a:t>
+              <a:t>The Brute Force algorithm has the same complexity for as Rabin-Karp, but because of the overhead computing and hash checking that occurs in the Rabin-Karp code, the Brute Force algorithm ends up taking less time than Rabin-Karp.</a:t>
             </a:r>
             <a:endParaRPr lang="en-US" altLang="en-US" sz="2400" dirty="0">
               <a:latin typeface="Helvetica"/>
@@ -7366,7 +7358,7 @@
         </p:blipFill>
         <p:spPr>
           <a:xfrm>
-            <a:off x="12665868" y="24632443"/>
+            <a:off x="12665868" y="22786254"/>
             <a:ext cx="7772400" cy="3522518"/>
           </a:xfrm>
           <a:prstGeom prst="roundRect">

--- a/CEMS Poster 430.pptx
+++ b/CEMS Poster 430.pptx
@@ -4314,8 +4314,8 @@
         </p:nvSpPr>
         <p:spPr bwMode="auto">
           <a:xfrm>
-            <a:off x="11868150" y="7256463"/>
-            <a:ext cx="9367838" cy="23604537"/>
+            <a:off x="10042525" y="7256463"/>
+            <a:ext cx="11903075" cy="23604537"/>
           </a:xfrm>
           <a:prstGeom prst="rect">
             <a:avLst/>
@@ -4525,19 +4525,19 @@
               <a:buNone/>
             </a:pPr>
             <a:r>
-              <a:rPr lang="en-US" altLang="en-US" sz="2400" dirty="0">
+              <a:rPr lang="en-US" altLang="en-US" sz="1800" dirty="0">
                 <a:latin typeface="+mn-lt"/>
               </a:rPr>
               <a:t>The Boyer-Moore algorithm is an efficient string-matching method known for its use of Bad Character and Good Suffix rules, which reduce the number of comparisons needed when searching for a pattern in a dataset. It scans from right to left and can skip portions of the text on mismatches, allowing for large jumps, particularly with unique or repetitive patterns (Figure 1). This results in an average time complexity of O(n/m), where (n) is the text length and (m) is the pattern length (</a:t>
             </a:r>
             <a:r>
-              <a:rPr lang="en-US" altLang="en-US" sz="2400" dirty="0" err="1">
+              <a:rPr lang="en-US" altLang="en-US" sz="1800" dirty="0" err="1">
                 <a:latin typeface="+mn-lt"/>
               </a:rPr>
               <a:t>GeeksforGeeks</a:t>
             </a:r>
             <a:r>
-              <a:rPr lang="en-US" altLang="en-US" sz="2400" dirty="0">
+              <a:rPr lang="en-US" altLang="en-US" sz="1800" dirty="0">
                 <a:latin typeface="+mn-lt"/>
               </a:rPr>
               <a:t>, 2024). While it has a worst-case complexity of O(n*m) for repetitive sequences, its efficiency in practical applications makes it a preferred choice for string matching, especially with large datasets. </a:t>
@@ -4715,15 +4715,15 @@
               <a:buNone/>
             </a:pPr>
             <a:r>
-              <a:rPr lang="en-US" altLang="en-US" sz="2400" dirty="0"/>
+              <a:rPr lang="en-US" altLang="en-US" sz="1800" dirty="0"/>
               <a:t>The Boyer-Moore algorithm is one of the most efficient string-matching approaches. It’s efficiency derives from its use of *Bad Character* and the *Good Suffix* rules, which decreases the number of comparisons needed to be made in a search for a pattern in a dataset . In the case of Boyer-Moore, it scans from right to left and skipping portions of the text when mismatches occur; this enables it to make large jumps, especially with unique or repetitive patterns (Figure 1). According to </a:t>
             </a:r>
             <a:r>
-              <a:rPr lang="en-US" altLang="en-US" sz="2400" dirty="0" err="1"/>
+              <a:rPr lang="en-US" altLang="en-US" sz="1800" dirty="0" err="1"/>
               <a:t>GeeksforGeeks</a:t>
             </a:r>
             <a:r>
-              <a:rPr lang="en-US" altLang="en-US" sz="2400" dirty="0"/>
+              <a:rPr lang="en-US" altLang="en-US" sz="1800" dirty="0"/>
               <a:t> (2024) this gives an average time complexity of (O(n/m)), where (n) is the length of the text and (m) is the length of the pattern. Hence, it is faster for typical inputs compared to algorithms such as Brute Force. It has a best-case and average time complexity of O(n/m), </a:t>
             </a:r>
           </a:p>
@@ -4878,25 +4878,16 @@
             </a:endParaRPr>
           </a:p>
           <a:p>
-            <a:pPr marL="0" marR="0" lvl="0" indent="0" algn="l" defTabSz="914400" rtl="0" eaLnBrk="1" fontAlgn="base" latinLnBrk="0" hangingPunct="1">
-              <a:lnSpc>
-                <a:spcPct val="100000"/>
-              </a:lnSpc>
+            <a:pPr eaLnBrk="1" hangingPunct="1">
               <a:spcBef>
                 <a:spcPct val="10000"/>
               </a:spcBef>
-              <a:spcAft>
-                <a:spcPct val="0"/>
-              </a:spcAft>
-              <a:buClrTx/>
-              <a:buSzTx/>
-              <a:buFontTx/>
               <a:buNone/>
               <a:tabLst/>
               <a:defRPr/>
             </a:pPr>
             <a:r>
-              <a:rPr kumimoji="0" lang="en-US" altLang="en-US" sz="2400" b="0" i="0" u="none" strike="noStrike" kern="1200" cap="none" spc="0" normalizeH="0" baseline="0" noProof="0" dirty="0">
+              <a:rPr kumimoji="0" lang="en-US" altLang="en-US" sz="1800" b="0" i="0" u="none" strike="noStrike" kern="1200" cap="none" spc="0" normalizeH="0" baseline="0" noProof="0" dirty="0">
                 <a:ln>
                   <a:noFill/>
                 </a:ln>
@@ -4910,9 +4901,42 @@
                 <a:ea typeface="+mn-ea"/>
                 <a:cs typeface="+mn-cs"/>
               </a:rPr>
-              <a:t>The Boyer-Moore algorithm is one of the most efficient string-matching approaches. It’s efficiency derives from its use of *Bad Character* and the *Good Suffix* rules, which decreases the number of comparisons needed to</a:t>
-            </a:r>
-            <a:endParaRPr lang="en-US" altLang="en-US" sz="2400" dirty="0"/>
+              <a:t>The Boyer-Moore algorithm is one of the most efficient string-matching approaches. It’s efficiency derives from its use of *Bad Character* and the *Good Suffix* rules, which decreases the number of comparisons needed to be made in a search for a pattern in a dataset . In the case of Boyer-Moore, it scans from right to left and skipping portions of the text when mismatches occur; this enables it to make large jumps, especially with unique or repetitive patterns (Figure 1). According to </a:t>
+            </a:r>
+            <a:r>
+              <a:rPr kumimoji="0" lang="en-US" altLang="en-US" sz="1800" b="0" i="0" u="none" strike="noStrike" kern="1200" cap="none" spc="0" normalizeH="0" baseline="0" noProof="0" dirty="0" err="1">
+                <a:ln>
+                  <a:noFill/>
+                </a:ln>
+                <a:solidFill>
+                  <a:srgbClr val="000000"/>
+                </a:solidFill>
+                <a:effectLst/>
+                <a:uLnTx/>
+                <a:uFillTx/>
+                <a:latin typeface="Helvetica" pitchFamily="2" charset="0"/>
+                <a:ea typeface="+mn-ea"/>
+                <a:cs typeface="+mn-cs"/>
+              </a:rPr>
+              <a:t>GeeksforGeeks</a:t>
+            </a:r>
+            <a:r>
+              <a:rPr kumimoji="0" lang="en-US" altLang="en-US" sz="1800" b="0" i="0" u="none" strike="noStrike" kern="1200" cap="none" spc="0" normalizeH="0" baseline="0" noProof="0" dirty="0">
+                <a:ln>
+                  <a:noFill/>
+                </a:ln>
+                <a:solidFill>
+                  <a:srgbClr val="000000"/>
+                </a:solidFill>
+                <a:effectLst/>
+                <a:uLnTx/>
+                <a:uFillTx/>
+                <a:latin typeface="Helvetica" pitchFamily="2" charset="0"/>
+                <a:ea typeface="+mn-ea"/>
+                <a:cs typeface="+mn-cs"/>
+              </a:rPr>
+              <a:t> (2024) this gives an average time complexity of (O(n/m)), where (n) is the length of the text and (m) is the length of the pattern. Hence, it is faster for typical inputs compared to algorithms such as Brute Force.</a:t>
+            </a:r>
           </a:p>
         </p:txBody>
       </p:sp>
@@ -4933,7 +4957,7 @@
         <p:spPr bwMode="auto">
           <a:xfrm>
             <a:off x="33856613" y="7256462"/>
-            <a:ext cx="9010650" cy="13849349"/>
+            <a:ext cx="9010650" cy="15011399"/>
           </a:xfrm>
           <a:prstGeom prst="rect">
             <a:avLst/>
@@ -6860,8 +6884,8 @@
         </p:nvSpPr>
         <p:spPr bwMode="auto">
           <a:xfrm>
-            <a:off x="22757535" y="7256462"/>
-            <a:ext cx="9367838" cy="23604537"/>
+            <a:off x="21944013" y="7256462"/>
+            <a:ext cx="11912600" cy="23604537"/>
           </a:xfrm>
           <a:prstGeom prst="rect">
             <a:avLst/>
@@ -7042,80 +7066,144 @@
             </a:lvl9pPr>
           </a:lstStyle>
           <a:p>
-            <a:pPr marL="0" marR="0" lvl="0" indent="0" algn="just" defTabSz="914400" rtl="0" eaLnBrk="1" fontAlgn="base" latinLnBrk="0" hangingPunct="1">
-              <a:lnSpc>
-                <a:spcPct val="100000"/>
-              </a:lnSpc>
+            <a:pPr algn="just" eaLnBrk="1" hangingPunct="1">
               <a:spcBef>
                 <a:spcPct val="0"/>
               </a:spcBef>
-              <a:spcAft>
-                <a:spcPct val="0"/>
-              </a:spcAft>
-              <a:buClrTx/>
-              <a:buSzTx/>
               <a:buFontTx/>
               <a:buNone/>
-              <a:tabLst/>
-              <a:defRPr/>
-            </a:pPr>
-            <a:r>
-              <a:rPr kumimoji="0" lang="en-US" altLang="en-US" sz="2400" b="0" i="0" u="none" strike="noStrike" kern="1200" cap="none" spc="0" normalizeH="0" baseline="0" noProof="0" dirty="0">
-                <a:ln>
-                  <a:noFill/>
-                </a:ln>
-                <a:solidFill>
-                  <a:srgbClr val="000000"/>
-                </a:solidFill>
-                <a:effectLst/>
-                <a:uLnTx/>
-                <a:uFillTx/>
+            </a:pPr>
+            <a:r>
+              <a:rPr lang="en-US" altLang="en-US" sz="4400" b="1" dirty="0">
+                <a:solidFill>
+                  <a:srgbClr val="FF8000"/>
+                </a:solidFill>
                 <a:latin typeface="Helvetica" pitchFamily="2" charset="0"/>
-                <a:ea typeface="+mn-ea"/>
-                <a:cs typeface="+mn-cs"/>
               </a:rPr>
-              <a:t>be made in a search for a pattern in a dataset . In the case of Boyer-Moore, it scans from right to left and skipping portions of the text when mismatches occur; this enables it to make large jumps, especially with unique or repetitive patterns (Figure 1). According to </a:t>
-            </a:r>
-            <a:r>
-              <a:rPr kumimoji="0" lang="en-US" altLang="en-US" sz="2400" b="0" i="0" u="none" strike="noStrike" kern="1200" cap="none" spc="0" normalizeH="0" baseline="0" noProof="0" dirty="0" err="1">
-                <a:ln>
-                  <a:noFill/>
-                </a:ln>
-                <a:solidFill>
-                  <a:srgbClr val="000000"/>
-                </a:solidFill>
-                <a:effectLst/>
-                <a:uLnTx/>
-                <a:uFillTx/>
-                <a:latin typeface="Helvetica" pitchFamily="2" charset="0"/>
-                <a:ea typeface="+mn-ea"/>
-                <a:cs typeface="+mn-cs"/>
-              </a:rPr>
-              <a:t>GeeksforGeeks</a:t>
-            </a:r>
-            <a:r>
-              <a:rPr kumimoji="0" lang="en-US" altLang="en-US" sz="2400" b="0" i="0" u="none" strike="noStrike" kern="1200" cap="none" spc="0" normalizeH="0" baseline="0" noProof="0" dirty="0">
-                <a:ln>
-                  <a:noFill/>
-                </a:ln>
-                <a:solidFill>
-                  <a:srgbClr val="000000"/>
-                </a:solidFill>
-                <a:effectLst/>
-                <a:uLnTx/>
-                <a:uFillTx/>
-                <a:latin typeface="Helvetica" pitchFamily="2" charset="0"/>
-                <a:ea typeface="+mn-ea"/>
-                <a:cs typeface="+mn-cs"/>
-              </a:rPr>
-              <a:t> (2024) this gives an average time complexity of (O(n/m)), where (n) is the length of the text and (m) is the length of the pattern. Hence, it is faster for typical inputs compared to algorithms such as Brute Force.</a:t>
-            </a:r>
-          </a:p>
-          <a:p>
-            <a:pPr algn="just" eaLnBrk="1" hangingPunct="1">
-              <a:spcBef>
-                <a:spcPct val="0"/>
-              </a:spcBef>
+              <a:t>Shakespeare</a:t>
+            </a:r>
+            <a:endParaRPr lang="en-US" altLang="en-US" sz="2400" b="1" dirty="0">
+              <a:latin typeface="Helvetica" pitchFamily="2" charset="0"/>
+            </a:endParaRPr>
+          </a:p>
+          <a:p>
+            <a:pPr eaLnBrk="1" hangingPunct="1">
+              <a:spcBef>
+                <a:spcPct val="10000"/>
+              </a:spcBef>
+              <a:buNone/>
+            </a:pPr>
+            <a:r>
+              <a:rPr lang="en-US" altLang="en-US" sz="2400" dirty="0"/>
+              <a:t>This dataset, at 5,458,199 characters, contains all the works of William Shakespeare, providing a rich, complex text with varied vocabulary. It's ideal for testing algorithms on large-scale literary data.</a:t>
+            </a:r>
+          </a:p>
+          <a:p>
+            <a:pPr eaLnBrk="1" hangingPunct="1">
+              <a:spcBef>
+                <a:spcPct val="10000"/>
+              </a:spcBef>
+              <a:buFontTx/>
+              <a:buNone/>
+            </a:pPr>
+            <a:endParaRPr lang="en-US" altLang="en-US" sz="2400" dirty="0"/>
+          </a:p>
+          <a:p>
+            <a:pPr eaLnBrk="1" hangingPunct="1">
+              <a:spcBef>
+                <a:spcPct val="10000"/>
+              </a:spcBef>
+              <a:buFontTx/>
+              <a:buNone/>
+            </a:pPr>
+            <a:endParaRPr lang="en-US" altLang="en-US" sz="2400" dirty="0"/>
+          </a:p>
+          <a:p>
+            <a:pPr eaLnBrk="1" hangingPunct="1">
+              <a:spcBef>
+                <a:spcPct val="10000"/>
+              </a:spcBef>
+              <a:buFontTx/>
+              <a:buNone/>
+            </a:pPr>
+            <a:endParaRPr lang="en-US" altLang="en-US" sz="2400" dirty="0"/>
+          </a:p>
+          <a:p>
+            <a:pPr eaLnBrk="1" hangingPunct="1">
+              <a:spcBef>
+                <a:spcPct val="10000"/>
+              </a:spcBef>
+              <a:buFontTx/>
+              <a:buNone/>
+            </a:pPr>
+            <a:endParaRPr lang="en-US" altLang="en-US" sz="2400" dirty="0"/>
+          </a:p>
+          <a:p>
+            <a:pPr eaLnBrk="1" hangingPunct="1">
+              <a:spcBef>
+                <a:spcPct val="10000"/>
+              </a:spcBef>
+              <a:buFontTx/>
+              <a:buNone/>
+            </a:pPr>
+            <a:endParaRPr lang="en-US" altLang="en-US" sz="2400" dirty="0"/>
+          </a:p>
+          <a:p>
+            <a:pPr eaLnBrk="1" hangingPunct="1">
+              <a:spcBef>
+                <a:spcPct val="10000"/>
+              </a:spcBef>
+              <a:buFontTx/>
+              <a:buNone/>
+            </a:pPr>
+            <a:endParaRPr lang="en-US" altLang="en-US" sz="2400" dirty="0"/>
+          </a:p>
+          <a:p>
+            <a:pPr eaLnBrk="1" hangingPunct="1">
+              <a:spcBef>
+                <a:spcPct val="10000"/>
+              </a:spcBef>
+              <a:buFontTx/>
+              <a:buNone/>
+            </a:pPr>
+            <a:endParaRPr lang="en-US" altLang="en-US" sz="2400" dirty="0"/>
+          </a:p>
+          <a:p>
+            <a:pPr eaLnBrk="1" hangingPunct="1">
+              <a:spcBef>
+                <a:spcPct val="10000"/>
+              </a:spcBef>
+              <a:buFontTx/>
+              <a:buNone/>
+            </a:pPr>
+            <a:endParaRPr lang="en-US" altLang="en-US" sz="2400" dirty="0"/>
+          </a:p>
+          <a:p>
+            <a:pPr eaLnBrk="1" hangingPunct="1">
+              <a:spcBef>
+                <a:spcPct val="10000"/>
+              </a:spcBef>
+              <a:buFontTx/>
+              <a:buNone/>
+            </a:pPr>
+            <a:endParaRPr lang="en-US" altLang="en-US" sz="2400" dirty="0"/>
+          </a:p>
+          <a:p>
+            <a:pPr eaLnBrk="1" hangingPunct="1">
+              <a:spcBef>
+                <a:spcPct val="10000"/>
+              </a:spcBef>
+              <a:buFontTx/>
+              <a:buNone/>
+            </a:pPr>
+            <a:endParaRPr lang="en-US" altLang="en-US" sz="2400" dirty="0"/>
+          </a:p>
+          <a:p>
+            <a:pPr eaLnBrk="1" hangingPunct="1">
+              <a:spcBef>
+                <a:spcPct val="10000"/>
+              </a:spcBef>
+              <a:buFontTx/>
               <a:buNone/>
             </a:pPr>
             <a:endParaRPr lang="en-US" altLang="en-US" sz="4400" b="1" dirty="0">
@@ -7126,10 +7214,11 @@
             </a:endParaRPr>
           </a:p>
           <a:p>
-            <a:pPr algn="just" eaLnBrk="1" hangingPunct="1">
-              <a:spcBef>
-                <a:spcPct val="0"/>
-              </a:spcBef>
+            <a:pPr eaLnBrk="1" hangingPunct="1">
+              <a:spcBef>
+                <a:spcPct val="10000"/>
+              </a:spcBef>
+              <a:buFontTx/>
               <a:buNone/>
             </a:pPr>
             <a:endParaRPr lang="en-US" altLang="en-US" sz="4400" b="1" dirty="0">
@@ -7140,10 +7229,11 @@
             </a:endParaRPr>
           </a:p>
           <a:p>
-            <a:pPr algn="just" eaLnBrk="1" hangingPunct="1">
-              <a:spcBef>
-                <a:spcPct val="0"/>
-              </a:spcBef>
+            <a:pPr eaLnBrk="1" hangingPunct="1">
+              <a:spcBef>
+                <a:spcPct val="10000"/>
+              </a:spcBef>
+              <a:buFontTx/>
               <a:buNone/>
             </a:pPr>
             <a:endParaRPr lang="en-US" altLang="en-US" sz="4400" b="1" dirty="0">
@@ -7154,10 +7244,123 @@
             </a:endParaRPr>
           </a:p>
           <a:p>
-            <a:pPr algn="just" eaLnBrk="1" hangingPunct="1">
-              <a:spcBef>
-                <a:spcPct val="0"/>
-              </a:spcBef>
+            <a:pPr eaLnBrk="1" hangingPunct="1">
+              <a:spcBef>
+                <a:spcPct val="10000"/>
+              </a:spcBef>
+              <a:buFontTx/>
+              <a:buNone/>
+            </a:pPr>
+            <a:r>
+              <a:rPr lang="en-US" altLang="en-US" sz="4400" b="1" dirty="0">
+                <a:solidFill>
+                  <a:srgbClr val="FF8000"/>
+                </a:solidFill>
+                <a:latin typeface="Helvetica" pitchFamily="2" charset="0"/>
+              </a:rPr>
+              <a:t>Titanic Movie</a:t>
+            </a:r>
+            <a:endParaRPr lang="en-US" altLang="en-US" sz="2400" b="1" dirty="0">
+              <a:latin typeface="Helvetica" pitchFamily="2" charset="0"/>
+            </a:endParaRPr>
+          </a:p>
+          <a:p>
+            <a:pPr eaLnBrk="1" hangingPunct="1">
+              <a:spcBef>
+                <a:spcPct val="10000"/>
+              </a:spcBef>
+              <a:buFontTx/>
+              <a:buNone/>
+            </a:pPr>
+            <a:r>
+              <a:rPr lang="en-US" altLang="en-US" sz="2400" dirty="0"/>
+              <a:t>At </a:t>
+            </a:r>
+            <a:r>
+              <a:rPr lang="en-US" altLang="en-US" sz="2400" u="sng" dirty="0"/>
+              <a:t>296,482</a:t>
+            </a:r>
+            <a:r>
+              <a:rPr lang="en-US" altLang="en-US" sz="2400" dirty="0"/>
+              <a:t> characters, this modern dialogue-heavy text provides a moderate-sized dataset for testing. The conversational format and repetitive dialogue patterns help evaluate an algorithm’s ability to manage redundancy and handle moderately large text files.</a:t>
+            </a:r>
+          </a:p>
+          <a:p>
+            <a:pPr eaLnBrk="1" hangingPunct="1">
+              <a:spcBef>
+                <a:spcPct val="10000"/>
+              </a:spcBef>
+              <a:buFontTx/>
+              <a:buNone/>
+            </a:pPr>
+            <a:endParaRPr lang="en-US" altLang="en-US" sz="2400" dirty="0"/>
+          </a:p>
+          <a:p>
+            <a:pPr eaLnBrk="1" hangingPunct="1">
+              <a:spcBef>
+                <a:spcPct val="10000"/>
+              </a:spcBef>
+              <a:buFontTx/>
+              <a:buNone/>
+            </a:pPr>
+            <a:endParaRPr lang="en-US" altLang="en-US" sz="2400" dirty="0"/>
+          </a:p>
+          <a:p>
+            <a:pPr eaLnBrk="1" hangingPunct="1">
+              <a:spcBef>
+                <a:spcPct val="10000"/>
+              </a:spcBef>
+              <a:buFontTx/>
+              <a:buNone/>
+            </a:pPr>
+            <a:endParaRPr lang="en-US" altLang="en-US" sz="2400" dirty="0"/>
+          </a:p>
+          <a:p>
+            <a:pPr eaLnBrk="1" hangingPunct="1">
+              <a:spcBef>
+                <a:spcPct val="10000"/>
+              </a:spcBef>
+              <a:buFontTx/>
+              <a:buNone/>
+            </a:pPr>
+            <a:endParaRPr lang="en-US" altLang="en-US" sz="2400" dirty="0"/>
+          </a:p>
+          <a:p>
+            <a:pPr eaLnBrk="1" hangingPunct="1">
+              <a:spcBef>
+                <a:spcPct val="10000"/>
+              </a:spcBef>
+              <a:buFontTx/>
+              <a:buNone/>
+            </a:pPr>
+            <a:endParaRPr lang="en-US" altLang="en-US" sz="2400" dirty="0"/>
+          </a:p>
+          <a:p>
+            <a:pPr eaLnBrk="1" hangingPunct="1">
+              <a:spcBef>
+                <a:spcPct val="10000"/>
+              </a:spcBef>
+              <a:buFontTx/>
+              <a:buNone/>
+            </a:pPr>
+            <a:endParaRPr lang="en-US" altLang="en-US" sz="2400" dirty="0"/>
+          </a:p>
+          <a:p>
+            <a:pPr eaLnBrk="1" hangingPunct="1">
+              <a:spcBef>
+                <a:spcPct val="10000"/>
+              </a:spcBef>
+              <a:buFontTx/>
+              <a:buNone/>
+            </a:pPr>
+            <a:endParaRPr lang="en-US" altLang="en-US" sz="2400" dirty="0"/>
+          </a:p>
+          <a:p>
+            <a:pPr eaLnBrk="1" hangingPunct="1">
+              <a:spcBef>
+                <a:spcPct val="10000"/>
+              </a:spcBef>
+              <a:buFontTx/>
               <a:buNone/>
             </a:pPr>
             <a:endParaRPr lang="en-US" altLang="en-US" sz="4400" b="1" dirty="0">
@@ -7168,10 +7371,11 @@
             </a:endParaRPr>
           </a:p>
           <a:p>
-            <a:pPr algn="just" eaLnBrk="1" hangingPunct="1">
-              <a:spcBef>
-                <a:spcPct val="0"/>
-              </a:spcBef>
+            <a:pPr eaLnBrk="1" hangingPunct="1">
+              <a:spcBef>
+                <a:spcPct val="10000"/>
+              </a:spcBef>
+              <a:buFontTx/>
               <a:buNone/>
             </a:pPr>
             <a:endParaRPr lang="en-US" altLang="en-US" sz="4400" b="1" dirty="0">
@@ -7182,10 +7386,11 @@
             </a:endParaRPr>
           </a:p>
           <a:p>
-            <a:pPr algn="just" eaLnBrk="1" hangingPunct="1">
-              <a:spcBef>
-                <a:spcPct val="0"/>
-              </a:spcBef>
+            <a:pPr eaLnBrk="1" hangingPunct="1">
+              <a:spcBef>
+                <a:spcPct val="10000"/>
+              </a:spcBef>
+              <a:buFontTx/>
               <a:buNone/>
             </a:pPr>
             <a:endParaRPr lang="en-US" altLang="en-US" sz="4400" b="1" dirty="0">
@@ -7194,105 +7399,6 @@
               </a:solidFill>
               <a:latin typeface="Helvetica" pitchFamily="2" charset="0"/>
             </a:endParaRPr>
-          </a:p>
-          <a:p>
-            <a:pPr algn="just" eaLnBrk="1" hangingPunct="1">
-              <a:spcBef>
-                <a:spcPct val="0"/>
-              </a:spcBef>
-              <a:buFontTx/>
-              <a:buNone/>
-            </a:pPr>
-            <a:endParaRPr lang="en-US" altLang="en-US" sz="4400" b="1" dirty="0">
-              <a:solidFill>
-                <a:srgbClr val="FF8000"/>
-              </a:solidFill>
-              <a:latin typeface="Helvetica" pitchFamily="2" charset="0"/>
-            </a:endParaRPr>
-          </a:p>
-          <a:p>
-            <a:pPr algn="just" eaLnBrk="1" hangingPunct="1">
-              <a:spcBef>
-                <a:spcPct val="0"/>
-              </a:spcBef>
-              <a:buFontTx/>
-              <a:buNone/>
-            </a:pPr>
-            <a:r>
-              <a:rPr lang="en-US" altLang="en-US" sz="4400" b="1" dirty="0">
-                <a:solidFill>
-                  <a:srgbClr val="FF8000"/>
-                </a:solidFill>
-                <a:latin typeface="Helvetica" pitchFamily="2" charset="0"/>
-              </a:rPr>
-              <a:t>Shakespeare</a:t>
-            </a:r>
-            <a:endParaRPr lang="en-US" altLang="en-US" sz="2400" b="1" dirty="0">
-              <a:latin typeface="Helvetica" pitchFamily="2" charset="0"/>
-            </a:endParaRPr>
-          </a:p>
-          <a:p>
-            <a:pPr eaLnBrk="1" hangingPunct="1">
-              <a:spcBef>
-                <a:spcPct val="10000"/>
-              </a:spcBef>
-              <a:buFontTx/>
-              <a:buNone/>
-            </a:pPr>
-            <a:r>
-              <a:rPr lang="en-US" altLang="en-US" sz="2400" dirty="0"/>
-              <a:t>This dataset, at </a:t>
-            </a:r>
-            <a:r>
-              <a:rPr lang="en-US" altLang="en-US" sz="2400" u="sng" dirty="0"/>
-              <a:t>5,458,199</a:t>
-            </a:r>
-            <a:r>
-              <a:rPr lang="en-US" altLang="en-US" sz="2400" dirty="0"/>
-              <a:t> characters, contains all the works of William Shakespeare, providing a rich, complex text with varied vocabulary. It's ideal for testing algorithms on large-scale literary data.</a:t>
-            </a:r>
-          </a:p>
-          <a:p>
-            <a:pPr eaLnBrk="1" hangingPunct="1">
-              <a:spcBef>
-                <a:spcPct val="10000"/>
-              </a:spcBef>
-              <a:buFontTx/>
-              <a:buNone/>
-            </a:pPr>
-            <a:r>
-              <a:rPr lang="en-US" altLang="en-US" sz="4400" b="1" dirty="0">
-                <a:solidFill>
-                  <a:srgbClr val="FF8000"/>
-                </a:solidFill>
-                <a:latin typeface="Helvetica" pitchFamily="2" charset="0"/>
-              </a:rPr>
-              <a:t>Titanic Movie</a:t>
-            </a:r>
-            <a:endParaRPr lang="en-US" altLang="en-US" sz="2400" b="1" dirty="0">
-              <a:latin typeface="Helvetica" pitchFamily="2" charset="0"/>
-            </a:endParaRPr>
-          </a:p>
-          <a:p>
-            <a:pPr eaLnBrk="1" hangingPunct="1">
-              <a:spcBef>
-                <a:spcPct val="10000"/>
-              </a:spcBef>
-              <a:buFontTx/>
-              <a:buNone/>
-            </a:pPr>
-            <a:r>
-              <a:rPr lang="en-US" altLang="en-US" sz="2400" dirty="0"/>
-              <a:t>At </a:t>
-            </a:r>
-            <a:r>
-              <a:rPr lang="en-US" altLang="en-US" sz="2400" u="sng" dirty="0"/>
-              <a:t>296,482</a:t>
-            </a:r>
-            <a:r>
-              <a:rPr lang="en-US" altLang="en-US" sz="2400" dirty="0"/>
-              <a:t> characters, this modern dialogue-heavy text provides a moderate-sized dataset for testing. The conversational format and repetitive dialogue patterns help evaluate an algorithm’s ability to manage redundancy and handle moderately large text files.</a:t>
-            </a:r>
           </a:p>
           <a:p>
             <a:pPr eaLnBrk="1" hangingPunct="1">
@@ -7366,7 +7472,7 @@
         </p:blipFill>
         <p:spPr>
           <a:xfrm>
-            <a:off x="12665868" y="24632443"/>
+            <a:off x="10917997" y="19659406"/>
             <a:ext cx="7772400" cy="3522518"/>
           </a:xfrm>
           <a:prstGeom prst="roundRect">
@@ -7415,8 +7521,8 @@
         </p:blipFill>
         <p:spPr>
           <a:xfrm>
-            <a:off x="23555254" y="11500161"/>
-            <a:ext cx="7772400" cy="4236505"/>
+            <a:off x="10884435" y="26563010"/>
+            <a:ext cx="7545438" cy="4112795"/>
           </a:xfrm>
           <a:prstGeom prst="roundRect">
             <a:avLst>
@@ -7463,7 +7569,7 @@
         </p:blipFill>
         <p:spPr>
           <a:xfrm>
-            <a:off x="13170625" y="13009766"/>
+            <a:off x="10917997" y="10460734"/>
             <a:ext cx="6212716" cy="5755731"/>
           </a:xfrm>
           <a:prstGeom prst="roundRect">
@@ -7482,6 +7588,150 @@
           <a:effectLst>
             <a:reflection blurRad="12700" endPos="0" dist="5000" dir="5400000" sy="-100000" algn="bl" rotWithShape="0"/>
           </a:effectLst>
+        </p:spPr>
+      </p:pic>
+      <p:pic>
+        <p:nvPicPr>
+          <p:cNvPr id="4" name="Picture 3" descr="A graph with different colored bars&#10;&#10;Description automatically generated">
+            <a:extLst>
+              <a:ext uri="{FF2B5EF4-FFF2-40B4-BE49-F238E27FC236}">
+                <a16:creationId xmlns:a16="http://schemas.microsoft.com/office/drawing/2014/main" id="{2FF28E68-9D64-BE9A-C765-E86044B90B13}"/>
+              </a:ext>
+            </a:extLst>
+          </p:cNvPr>
+          <p:cNvPicPr>
+            <a:picLocks noChangeAspect="1"/>
+          </p:cNvPicPr>
+          <p:nvPr/>
+        </p:nvPicPr>
+        <p:blipFill>
+          <a:blip r:embed="rId12">
+            <a:extLst>
+              <a:ext uri="{28A0092B-C50C-407E-A947-70E740481C1C}">
+                <a14:useLocalDpi xmlns:a14="http://schemas.microsoft.com/office/drawing/2010/main" val="0"/>
+              </a:ext>
+            </a:extLst>
+          </a:blip>
+          <a:stretch>
+            <a:fillRect/>
+          </a:stretch>
+        </p:blipFill>
+        <p:spPr>
+          <a:xfrm>
+            <a:off x="34607387" y="17282643"/>
+            <a:ext cx="7564501" cy="4302420"/>
+          </a:xfrm>
+          <a:prstGeom prst="rect">
+            <a:avLst/>
+          </a:prstGeom>
+        </p:spPr>
+      </p:pic>
+      <p:pic>
+        <p:nvPicPr>
+          <p:cNvPr id="11" name="Picture 10" descr="A graph of different colored lines&#10;&#10;Description automatically generated">
+            <a:extLst>
+              <a:ext uri="{FF2B5EF4-FFF2-40B4-BE49-F238E27FC236}">
+                <a16:creationId xmlns:a16="http://schemas.microsoft.com/office/drawing/2014/main" id="{64FE4E4C-2E08-6BDD-E048-D14E2EC41E5E}"/>
+              </a:ext>
+            </a:extLst>
+          </p:cNvPr>
+          <p:cNvPicPr>
+            <a:picLocks noChangeAspect="1"/>
+          </p:cNvPicPr>
+          <p:nvPr/>
+        </p:nvPicPr>
+        <p:blipFill>
+          <a:blip r:embed="rId13">
+            <a:extLst>
+              <a:ext uri="{28A0092B-C50C-407E-A947-70E740481C1C}">
+                <a14:useLocalDpi xmlns:a14="http://schemas.microsoft.com/office/drawing/2010/main" val="0"/>
+              </a:ext>
+            </a:extLst>
+          </a:blip>
+          <a:stretch>
+            <a:fillRect/>
+          </a:stretch>
+        </p:blipFill>
+        <p:spPr>
+          <a:xfrm>
+            <a:off x="23180007" y="26189782"/>
+            <a:ext cx="7495600" cy="4243449"/>
+          </a:xfrm>
+          <a:prstGeom prst="rect">
+            <a:avLst/>
+          </a:prstGeom>
+        </p:spPr>
+      </p:pic>
+      <p:pic>
+        <p:nvPicPr>
+          <p:cNvPr id="13" name="Picture 12" descr="A graph showing the number of lottery&#10;&#10;Description automatically generated">
+            <a:extLst>
+              <a:ext uri="{FF2B5EF4-FFF2-40B4-BE49-F238E27FC236}">
+                <a16:creationId xmlns:a16="http://schemas.microsoft.com/office/drawing/2014/main" id="{2C254303-94F5-35B8-2AE2-D3C6F0CA1DE3}"/>
+              </a:ext>
+            </a:extLst>
+          </p:cNvPr>
+          <p:cNvPicPr>
+            <a:picLocks noChangeAspect="1"/>
+          </p:cNvPicPr>
+          <p:nvPr/>
+        </p:nvPicPr>
+        <p:blipFill>
+          <a:blip r:embed="rId14">
+            <a:extLst>
+              <a:ext uri="{28A0092B-C50C-407E-A947-70E740481C1C}">
+                <a14:useLocalDpi xmlns:a14="http://schemas.microsoft.com/office/drawing/2010/main" val="0"/>
+              </a:ext>
+            </a:extLst>
+          </a:blip>
+          <a:stretch>
+            <a:fillRect/>
+          </a:stretch>
+        </p:blipFill>
+        <p:spPr>
+          <a:xfrm>
+            <a:off x="23180007" y="18635663"/>
+            <a:ext cx="7495601" cy="4233626"/>
+          </a:xfrm>
+          <a:prstGeom prst="rect">
+            <a:avLst/>
+          </a:prstGeom>
+        </p:spPr>
+      </p:pic>
+      <p:pic>
+        <p:nvPicPr>
+          <p:cNvPr id="15" name="Picture 14" descr="A graph showing the number of companies&#10;&#10;Description automatically generated">
+            <a:extLst>
+              <a:ext uri="{FF2B5EF4-FFF2-40B4-BE49-F238E27FC236}">
+                <a16:creationId xmlns:a16="http://schemas.microsoft.com/office/drawing/2014/main" id="{DDF25809-A097-D1AA-88EB-75A305D7D721}"/>
+              </a:ext>
+            </a:extLst>
+          </p:cNvPr>
+          <p:cNvPicPr>
+            <a:picLocks noChangeAspect="1"/>
+          </p:cNvPicPr>
+          <p:nvPr/>
+        </p:nvPicPr>
+        <p:blipFill>
+          <a:blip r:embed="rId15">
+            <a:extLst>
+              <a:ext uri="{28A0092B-C50C-407E-A947-70E740481C1C}">
+                <a14:useLocalDpi xmlns:a14="http://schemas.microsoft.com/office/drawing/2010/main" val="0"/>
+              </a:ext>
+            </a:extLst>
+          </a:blip>
+          <a:stretch>
+            <a:fillRect/>
+          </a:stretch>
+        </p:blipFill>
+        <p:spPr>
+          <a:xfrm>
+            <a:off x="23180007" y="10819404"/>
+            <a:ext cx="7495600" cy="4253318"/>
+          </a:xfrm>
+          <a:prstGeom prst="rect">
+            <a:avLst/>
+          </a:prstGeom>
         </p:spPr>
       </p:pic>
     </p:spTree>

--- a/CEMS Poster 430.pptx
+++ b/CEMS Poster 430.pptx
@@ -4314,8 +4314,8 @@
         </p:nvSpPr>
         <p:spPr bwMode="auto">
           <a:xfrm>
-            <a:off x="11868150" y="7256463"/>
-            <a:ext cx="9367838" cy="23604537"/>
+            <a:off x="10025776" y="7256463"/>
+            <a:ext cx="11950702" cy="23604537"/>
           </a:xfrm>
           <a:prstGeom prst="rect">
             <a:avLst/>
@@ -4525,19 +4525,19 @@
               <a:buNone/>
             </a:pPr>
             <a:r>
-              <a:rPr lang="en-US" altLang="en-US" sz="2400" dirty="0">
+              <a:rPr lang="en-US" altLang="en-US" sz="1800" dirty="0">
                 <a:latin typeface="+mn-lt"/>
               </a:rPr>
               <a:t>The Boyer-Moore algorithm is an efficient string-matching method known for its use of Bad Character and Good Suffix rules, which reduce the number of comparisons needed when searching for a pattern in a dataset. It scans from right to left and can skip portions of the text on mismatches, allowing for large jumps, particularly with unique or repetitive patterns (Figure 1). This results in an average time complexity of O(n/m), where (n) is the text length and (m) is the pattern length (</a:t>
             </a:r>
             <a:r>
-              <a:rPr lang="en-US" altLang="en-US" sz="2400" dirty="0" err="1">
+              <a:rPr lang="en-US" altLang="en-US" sz="1800" dirty="0" err="1">
                 <a:latin typeface="+mn-lt"/>
               </a:rPr>
               <a:t>GeeksforGeeks</a:t>
             </a:r>
             <a:r>
-              <a:rPr lang="en-US" altLang="en-US" sz="2400" dirty="0">
+              <a:rPr lang="en-US" altLang="en-US" sz="1800" dirty="0">
                 <a:latin typeface="+mn-lt"/>
               </a:rPr>
               <a:t>, 2024). While it has a worst-case complexity of O(n*m) for repetitive sequences, its efficiency in practical applications makes it a preferred choice for string matching, especially with large datasets. </a:t>
@@ -4715,7 +4715,7 @@
               <a:buNone/>
             </a:pPr>
             <a:r>
-              <a:rPr lang="en-US" altLang="en-US" sz="2400" dirty="0"/>
+              <a:rPr lang="en-US" altLang="en-US" sz="1800" dirty="0"/>
               <a:t>Rabin-Karp algorithms utilizes hashes to save the text and pattern to check if the inputted pattern, the word “the” in our case, to check if the text contains the pattern. It uses a for loop to check if the pattern matches the hash set and if it doesn’t then the hash for the text moves up based on the length of the pattern to restart the process until either the entirety of the text is gone through or the pattern is found in the text.</a:t>
             </a:r>
           </a:p>
@@ -4870,25 +4870,16 @@
             </a:endParaRPr>
           </a:p>
           <a:p>
-            <a:pPr marL="0" marR="0" lvl="0" indent="0" algn="l" defTabSz="914400" rtl="0" eaLnBrk="1" fontAlgn="base" latinLnBrk="0" hangingPunct="1">
-              <a:lnSpc>
-                <a:spcPct val="100000"/>
-              </a:lnSpc>
+            <a:pPr eaLnBrk="1" hangingPunct="1">
               <a:spcBef>
                 <a:spcPct val="10000"/>
               </a:spcBef>
-              <a:spcAft>
-                <a:spcPct val="0"/>
-              </a:spcAft>
-              <a:buClrTx/>
-              <a:buSzTx/>
-              <a:buFontTx/>
               <a:buNone/>
               <a:tabLst/>
               <a:defRPr/>
             </a:pPr>
             <a:r>
-              <a:rPr kumimoji="0" lang="en-US" altLang="en-US" sz="2400" b="0" i="0" u="none" strike="noStrike" kern="1200" cap="none" spc="0" normalizeH="0" baseline="0" noProof="0" dirty="0">
+              <a:rPr kumimoji="0" lang="en-US" altLang="en-US" sz="1800" b="0" i="0" u="none" strike="noStrike" kern="1200" cap="none" spc="0" normalizeH="0" baseline="0" noProof="0" dirty="0">
                 <a:ln>
                   <a:noFill/>
                 </a:ln>
@@ -4902,9 +4893,96 @@
                 <a:ea typeface="+mn-ea"/>
                 <a:cs typeface="+mn-cs"/>
               </a:rPr>
-              <a:t>The Boyer-Moore algorithm is one of the most efficient string-matching approaches. It’s efficiency derives from its use of *Bad Character* and the *Good Suffix* rules, which decreases the number of comparisons needed to</a:t>
-            </a:r>
-            <a:endParaRPr lang="en-US" altLang="en-US" sz="2400" dirty="0"/>
+              <a:t>The Boyer-Moore algorithm is one of the most efficient string-matching approaches. It’s efficiency derives from its use of *Bad Character* and the *Good Suffix* rules, which decreases the number of comparisons needed </a:t>
+            </a:r>
+            <a:r>
+              <a:rPr kumimoji="0" lang="en-US" altLang="en-US" sz="1800" b="0" i="0" u="none" strike="noStrike" kern="1200" cap="none" spc="0" normalizeH="0" baseline="0" noProof="0" dirty="0" err="1">
+                <a:ln>
+                  <a:noFill/>
+                </a:ln>
+                <a:solidFill>
+                  <a:srgbClr val="000000"/>
+                </a:solidFill>
+                <a:effectLst/>
+                <a:uLnTx/>
+                <a:uFillTx/>
+                <a:latin typeface="Helvetica" pitchFamily="2" charset="0"/>
+                <a:ea typeface="+mn-ea"/>
+                <a:cs typeface="+mn-cs"/>
+              </a:rPr>
+              <a:t>tobe</a:t>
+            </a:r>
+            <a:r>
+              <a:rPr kumimoji="0" lang="en-US" altLang="en-US" sz="1800" b="0" i="0" u="none" strike="noStrike" kern="1200" cap="none" spc="0" normalizeH="0" baseline="0" noProof="0" dirty="0">
+                <a:ln>
+                  <a:noFill/>
+                </a:ln>
+                <a:solidFill>
+                  <a:srgbClr val="000000"/>
+                </a:solidFill>
+                <a:effectLst/>
+                <a:uLnTx/>
+                <a:uFillTx/>
+                <a:latin typeface="Helvetica" pitchFamily="2" charset="0"/>
+                <a:ea typeface="+mn-ea"/>
+                <a:cs typeface="+mn-cs"/>
+              </a:rPr>
+              <a:t> made in a search for a pattern in a dataset . In the case of Boyer-Moore, it scans from right to left and skipping portions of the text when mismatches occur; this enables it to make large jumps, especially with unique or repetitive patterns (Figure 1). According to </a:t>
+            </a:r>
+            <a:r>
+              <a:rPr kumimoji="0" lang="en-US" altLang="en-US" sz="1800" b="0" i="0" u="none" strike="noStrike" kern="1200" cap="none" spc="0" normalizeH="0" baseline="0" noProof="0" dirty="0" err="1">
+                <a:ln>
+                  <a:noFill/>
+                </a:ln>
+                <a:solidFill>
+                  <a:srgbClr val="000000"/>
+                </a:solidFill>
+                <a:effectLst/>
+                <a:uLnTx/>
+                <a:uFillTx/>
+                <a:latin typeface="Helvetica" pitchFamily="2" charset="0"/>
+                <a:ea typeface="+mn-ea"/>
+                <a:cs typeface="+mn-cs"/>
+              </a:rPr>
+              <a:t>GeeksforGeeks</a:t>
+            </a:r>
+            <a:r>
+              <a:rPr kumimoji="0" lang="en-US" altLang="en-US" sz="1800" b="0" i="0" u="none" strike="noStrike" kern="1200" cap="none" spc="0" normalizeH="0" baseline="0" noProof="0" dirty="0">
+                <a:ln>
+                  <a:noFill/>
+                </a:ln>
+                <a:solidFill>
+                  <a:srgbClr val="000000"/>
+                </a:solidFill>
+                <a:effectLst/>
+                <a:uLnTx/>
+                <a:uFillTx/>
+                <a:latin typeface="Helvetica" pitchFamily="2" charset="0"/>
+                <a:ea typeface="+mn-ea"/>
+                <a:cs typeface="+mn-cs"/>
+              </a:rPr>
+              <a:t> (2024) this gives an average time complexity of (O(n/m)), where (n) is the length of the text and (m) is the length of the pattern. Hence, it is faster for typical inputs compared to algorithms such as Brute Force.</a:t>
+            </a:r>
+          </a:p>
+          <a:p>
+            <a:pPr marL="0" marR="0" lvl="0" indent="0" algn="l" defTabSz="914400" rtl="0" eaLnBrk="1" fontAlgn="base" latinLnBrk="0" hangingPunct="1">
+              <a:lnSpc>
+                <a:spcPct val="100000"/>
+              </a:lnSpc>
+              <a:spcBef>
+                <a:spcPct val="10000"/>
+              </a:spcBef>
+              <a:spcAft>
+                <a:spcPct val="0"/>
+              </a:spcAft>
+              <a:buClrTx/>
+              <a:buSzTx/>
+              <a:buFontTx/>
+              <a:buNone/>
+              <a:tabLst/>
+              <a:defRPr/>
+            </a:pPr>
+            <a:endParaRPr lang="en-US" altLang="en-US" sz="1800" dirty="0"/>
           </a:p>
         </p:txBody>
       </p:sp>
@@ -4925,7 +5003,7 @@
         <p:spPr bwMode="auto">
           <a:xfrm>
             <a:off x="33856613" y="7256462"/>
-            <a:ext cx="9010650" cy="13849349"/>
+            <a:ext cx="9010650" cy="15011400"/>
           </a:xfrm>
           <a:prstGeom prst="rect">
             <a:avLst/>
@@ -6852,8 +6930,8 @@
         </p:nvSpPr>
         <p:spPr bwMode="auto">
           <a:xfrm>
-            <a:off x="22757535" y="7256462"/>
-            <a:ext cx="9367838" cy="23604537"/>
+            <a:off x="21945600" y="7256462"/>
+            <a:ext cx="11950702" cy="23604537"/>
           </a:xfrm>
           <a:prstGeom prst="rect">
             <a:avLst/>
@@ -7034,175 +7112,6 @@
             </a:lvl9pPr>
           </a:lstStyle>
           <a:p>
-            <a:pPr marL="0" marR="0" lvl="0" indent="0" algn="just" defTabSz="914400" rtl="0" eaLnBrk="1" fontAlgn="base" latinLnBrk="0" hangingPunct="1">
-              <a:lnSpc>
-                <a:spcPct val="100000"/>
-              </a:lnSpc>
-              <a:spcBef>
-                <a:spcPct val="0"/>
-              </a:spcBef>
-              <a:spcAft>
-                <a:spcPct val="0"/>
-              </a:spcAft>
-              <a:buClrTx/>
-              <a:buSzTx/>
-              <a:buFontTx/>
-              <a:buNone/>
-              <a:tabLst/>
-              <a:defRPr/>
-            </a:pPr>
-            <a:r>
-              <a:rPr kumimoji="0" lang="en-US" altLang="en-US" sz="2400" b="0" i="0" u="none" strike="noStrike" kern="1200" cap="none" spc="0" normalizeH="0" baseline="0" noProof="0" dirty="0">
-                <a:ln>
-                  <a:noFill/>
-                </a:ln>
-                <a:solidFill>
-                  <a:srgbClr val="000000"/>
-                </a:solidFill>
-                <a:effectLst/>
-                <a:uLnTx/>
-                <a:uFillTx/>
-                <a:latin typeface="Helvetica" pitchFamily="2" charset="0"/>
-                <a:ea typeface="+mn-ea"/>
-                <a:cs typeface="+mn-cs"/>
-              </a:rPr>
-              <a:t>be made in a search for a pattern in a dataset . In the case of Boyer-Moore, it scans from right to left and skipping portions of the text when mismatches occur; this enables it to make large jumps, especially with unique or repetitive patterns (Figure 1). According to </a:t>
-            </a:r>
-            <a:r>
-              <a:rPr kumimoji="0" lang="en-US" altLang="en-US" sz="2400" b="0" i="0" u="none" strike="noStrike" kern="1200" cap="none" spc="0" normalizeH="0" baseline="0" noProof="0" dirty="0" err="1">
-                <a:ln>
-                  <a:noFill/>
-                </a:ln>
-                <a:solidFill>
-                  <a:srgbClr val="000000"/>
-                </a:solidFill>
-                <a:effectLst/>
-                <a:uLnTx/>
-                <a:uFillTx/>
-                <a:latin typeface="Helvetica" pitchFamily="2" charset="0"/>
-                <a:ea typeface="+mn-ea"/>
-                <a:cs typeface="+mn-cs"/>
-              </a:rPr>
-              <a:t>GeeksforGeeks</a:t>
-            </a:r>
-            <a:r>
-              <a:rPr kumimoji="0" lang="en-US" altLang="en-US" sz="2400" b="0" i="0" u="none" strike="noStrike" kern="1200" cap="none" spc="0" normalizeH="0" baseline="0" noProof="0" dirty="0">
-                <a:ln>
-                  <a:noFill/>
-                </a:ln>
-                <a:solidFill>
-                  <a:srgbClr val="000000"/>
-                </a:solidFill>
-                <a:effectLst/>
-                <a:uLnTx/>
-                <a:uFillTx/>
-                <a:latin typeface="Helvetica" pitchFamily="2" charset="0"/>
-                <a:ea typeface="+mn-ea"/>
-                <a:cs typeface="+mn-cs"/>
-              </a:rPr>
-              <a:t> (2024) this gives an average time complexity of (O(n/m)), where (n) is the length of the text and (m) is the length of the pattern. Hence, it is faster for typical inputs compared to algorithms such as Brute Force.</a:t>
-            </a:r>
-          </a:p>
-          <a:p>
-            <a:pPr algn="just" eaLnBrk="1" hangingPunct="1">
-              <a:spcBef>
-                <a:spcPct val="0"/>
-              </a:spcBef>
-              <a:buNone/>
-            </a:pPr>
-            <a:endParaRPr lang="en-US" altLang="en-US" sz="4400" b="1" dirty="0">
-              <a:solidFill>
-                <a:srgbClr val="FF8000"/>
-              </a:solidFill>
-              <a:latin typeface="Helvetica" pitchFamily="2" charset="0"/>
-            </a:endParaRPr>
-          </a:p>
-          <a:p>
-            <a:pPr algn="just" eaLnBrk="1" hangingPunct="1">
-              <a:spcBef>
-                <a:spcPct val="0"/>
-              </a:spcBef>
-              <a:buNone/>
-            </a:pPr>
-            <a:endParaRPr lang="en-US" altLang="en-US" sz="4400" b="1" dirty="0">
-              <a:solidFill>
-                <a:srgbClr val="FF8000"/>
-              </a:solidFill>
-              <a:latin typeface="Helvetica" pitchFamily="2" charset="0"/>
-            </a:endParaRPr>
-          </a:p>
-          <a:p>
-            <a:pPr algn="just" eaLnBrk="1" hangingPunct="1">
-              <a:spcBef>
-                <a:spcPct val="0"/>
-              </a:spcBef>
-              <a:buNone/>
-            </a:pPr>
-            <a:endParaRPr lang="en-US" altLang="en-US" sz="4400" b="1" dirty="0">
-              <a:solidFill>
-                <a:srgbClr val="FF8000"/>
-              </a:solidFill>
-              <a:latin typeface="Helvetica" pitchFamily="2" charset="0"/>
-            </a:endParaRPr>
-          </a:p>
-          <a:p>
-            <a:pPr algn="just" eaLnBrk="1" hangingPunct="1">
-              <a:spcBef>
-                <a:spcPct val="0"/>
-              </a:spcBef>
-              <a:buNone/>
-            </a:pPr>
-            <a:endParaRPr lang="en-US" altLang="en-US" sz="4400" b="1" dirty="0">
-              <a:solidFill>
-                <a:srgbClr val="FF8000"/>
-              </a:solidFill>
-              <a:latin typeface="Helvetica" pitchFamily="2" charset="0"/>
-            </a:endParaRPr>
-          </a:p>
-          <a:p>
-            <a:pPr algn="just" eaLnBrk="1" hangingPunct="1">
-              <a:spcBef>
-                <a:spcPct val="0"/>
-              </a:spcBef>
-              <a:buNone/>
-            </a:pPr>
-            <a:endParaRPr lang="en-US" altLang="en-US" sz="4400" b="1" dirty="0">
-              <a:solidFill>
-                <a:srgbClr val="FF8000"/>
-              </a:solidFill>
-              <a:latin typeface="Helvetica" pitchFamily="2" charset="0"/>
-            </a:endParaRPr>
-          </a:p>
-          <a:p>
-            <a:pPr algn="just" eaLnBrk="1" hangingPunct="1">
-              <a:spcBef>
-                <a:spcPct val="0"/>
-              </a:spcBef>
-              <a:buNone/>
-            </a:pPr>
-            <a:endParaRPr lang="en-US" altLang="en-US" sz="4400" b="1" dirty="0">
-              <a:solidFill>
-                <a:srgbClr val="FF8000"/>
-              </a:solidFill>
-              <a:latin typeface="Helvetica" pitchFamily="2" charset="0"/>
-            </a:endParaRPr>
-          </a:p>
-          <a:p>
-            <a:pPr algn="just" eaLnBrk="1" hangingPunct="1">
-              <a:spcBef>
-                <a:spcPct val="0"/>
-              </a:spcBef>
-              <a:buFontTx/>
-              <a:buNone/>
-            </a:pPr>
-            <a:endParaRPr lang="en-US" altLang="en-US" sz="4400" b="1" dirty="0">
-              <a:solidFill>
-                <a:srgbClr val="FF8000"/>
-              </a:solidFill>
-              <a:latin typeface="Helvetica" pitchFamily="2" charset="0"/>
-            </a:endParaRPr>
-          </a:p>
-          <a:p>
             <a:pPr algn="just" eaLnBrk="1" hangingPunct="1">
               <a:spcBef>
                 <a:spcPct val="0"/>
@@ -7252,6 +7161,136 @@
               <a:buFontTx/>
               <a:buNone/>
             </a:pPr>
+            <a:endParaRPr lang="en-US" altLang="en-US" sz="2400" dirty="0"/>
+          </a:p>
+          <a:p>
+            <a:pPr eaLnBrk="1" hangingPunct="1">
+              <a:spcBef>
+                <a:spcPct val="10000"/>
+              </a:spcBef>
+              <a:buFontTx/>
+              <a:buNone/>
+            </a:pPr>
+            <a:endParaRPr lang="en-US" altLang="en-US" sz="2400" dirty="0"/>
+          </a:p>
+          <a:p>
+            <a:pPr eaLnBrk="1" hangingPunct="1">
+              <a:spcBef>
+                <a:spcPct val="10000"/>
+              </a:spcBef>
+              <a:buFontTx/>
+              <a:buNone/>
+            </a:pPr>
+            <a:endParaRPr lang="en-US" altLang="en-US" sz="2400" dirty="0"/>
+          </a:p>
+          <a:p>
+            <a:pPr eaLnBrk="1" hangingPunct="1">
+              <a:spcBef>
+                <a:spcPct val="10000"/>
+              </a:spcBef>
+              <a:buFontTx/>
+              <a:buNone/>
+            </a:pPr>
+            <a:endParaRPr lang="en-US" altLang="en-US" sz="2400" dirty="0"/>
+          </a:p>
+          <a:p>
+            <a:pPr eaLnBrk="1" hangingPunct="1">
+              <a:spcBef>
+                <a:spcPct val="10000"/>
+              </a:spcBef>
+              <a:buFontTx/>
+              <a:buNone/>
+            </a:pPr>
+            <a:endParaRPr lang="en-US" altLang="en-US" sz="2400" dirty="0"/>
+          </a:p>
+          <a:p>
+            <a:pPr eaLnBrk="1" hangingPunct="1">
+              <a:spcBef>
+                <a:spcPct val="10000"/>
+              </a:spcBef>
+              <a:buFontTx/>
+              <a:buNone/>
+            </a:pPr>
+            <a:endParaRPr lang="en-US" altLang="en-US" sz="2400" dirty="0"/>
+          </a:p>
+          <a:p>
+            <a:pPr eaLnBrk="1" hangingPunct="1">
+              <a:spcBef>
+                <a:spcPct val="10000"/>
+              </a:spcBef>
+              <a:buFontTx/>
+              <a:buNone/>
+            </a:pPr>
+            <a:endParaRPr lang="en-US" altLang="en-US" sz="2400" dirty="0"/>
+          </a:p>
+          <a:p>
+            <a:pPr eaLnBrk="1" hangingPunct="1">
+              <a:spcBef>
+                <a:spcPct val="10000"/>
+              </a:spcBef>
+              <a:buFontTx/>
+              <a:buNone/>
+            </a:pPr>
+            <a:endParaRPr lang="en-US" altLang="en-US" sz="2400" dirty="0"/>
+          </a:p>
+          <a:p>
+            <a:pPr eaLnBrk="1" hangingPunct="1">
+              <a:spcBef>
+                <a:spcPct val="10000"/>
+              </a:spcBef>
+              <a:buFontTx/>
+              <a:buNone/>
+            </a:pPr>
+            <a:endParaRPr lang="en-US" altLang="en-US" sz="2400" dirty="0"/>
+          </a:p>
+          <a:p>
+            <a:pPr eaLnBrk="1" hangingPunct="1">
+              <a:spcBef>
+                <a:spcPct val="10000"/>
+              </a:spcBef>
+              <a:buFontTx/>
+              <a:buNone/>
+            </a:pPr>
+            <a:endParaRPr lang="en-US" altLang="en-US" sz="2400" dirty="0"/>
+          </a:p>
+          <a:p>
+            <a:pPr eaLnBrk="1" hangingPunct="1">
+              <a:spcBef>
+                <a:spcPct val="10000"/>
+              </a:spcBef>
+              <a:buFontTx/>
+              <a:buNone/>
+            </a:pPr>
+            <a:endParaRPr lang="en-US" altLang="en-US" sz="2400" dirty="0"/>
+          </a:p>
+          <a:p>
+            <a:pPr eaLnBrk="1" hangingPunct="1">
+              <a:spcBef>
+                <a:spcPct val="10000"/>
+              </a:spcBef>
+              <a:buFontTx/>
+              <a:buNone/>
+            </a:pPr>
+            <a:endParaRPr lang="en-US" altLang="en-US" sz="2400" dirty="0"/>
+          </a:p>
+          <a:p>
+            <a:pPr eaLnBrk="1" hangingPunct="1">
+              <a:spcBef>
+                <a:spcPct val="10000"/>
+              </a:spcBef>
+              <a:buFontTx/>
+              <a:buNone/>
+            </a:pPr>
+            <a:endParaRPr lang="en-US" altLang="en-US" sz="2400" dirty="0"/>
+          </a:p>
+          <a:p>
+            <a:pPr eaLnBrk="1" hangingPunct="1">
+              <a:spcBef>
+                <a:spcPct val="10000"/>
+              </a:spcBef>
+              <a:buFontTx/>
+              <a:buNone/>
+            </a:pPr>
             <a:r>
               <a:rPr lang="en-US" altLang="en-US" sz="4400" b="1" dirty="0">
                 <a:solidFill>
@@ -7285,6 +7324,126 @@
               <a:rPr lang="en-US" altLang="en-US" sz="2400" dirty="0"/>
               <a:t> characters, this modern dialogue-heavy text provides a moderate-sized dataset for testing. The conversational format and repetitive dialogue patterns help evaluate an algorithm’s ability to manage redundancy and handle moderately large text files.</a:t>
             </a:r>
+          </a:p>
+          <a:p>
+            <a:pPr eaLnBrk="1" hangingPunct="1">
+              <a:spcBef>
+                <a:spcPct val="10000"/>
+              </a:spcBef>
+              <a:buFontTx/>
+              <a:buNone/>
+            </a:pPr>
+            <a:endParaRPr lang="en-US" altLang="en-US" sz="2400" dirty="0"/>
+          </a:p>
+          <a:p>
+            <a:pPr eaLnBrk="1" hangingPunct="1">
+              <a:spcBef>
+                <a:spcPct val="10000"/>
+              </a:spcBef>
+              <a:buFontTx/>
+              <a:buNone/>
+            </a:pPr>
+            <a:endParaRPr lang="en-US" altLang="en-US" sz="2400" dirty="0"/>
+          </a:p>
+          <a:p>
+            <a:pPr eaLnBrk="1" hangingPunct="1">
+              <a:spcBef>
+                <a:spcPct val="10000"/>
+              </a:spcBef>
+              <a:buFontTx/>
+              <a:buNone/>
+            </a:pPr>
+            <a:endParaRPr lang="en-US" altLang="en-US" sz="2400" dirty="0"/>
+          </a:p>
+          <a:p>
+            <a:pPr eaLnBrk="1" hangingPunct="1">
+              <a:spcBef>
+                <a:spcPct val="10000"/>
+              </a:spcBef>
+              <a:buFontTx/>
+              <a:buNone/>
+            </a:pPr>
+            <a:endParaRPr lang="en-US" altLang="en-US" sz="2400" dirty="0"/>
+          </a:p>
+          <a:p>
+            <a:pPr eaLnBrk="1" hangingPunct="1">
+              <a:spcBef>
+                <a:spcPct val="10000"/>
+              </a:spcBef>
+              <a:buFontTx/>
+              <a:buNone/>
+            </a:pPr>
+            <a:endParaRPr lang="en-US" altLang="en-US" sz="2400" dirty="0"/>
+          </a:p>
+          <a:p>
+            <a:pPr eaLnBrk="1" hangingPunct="1">
+              <a:spcBef>
+                <a:spcPct val="10000"/>
+              </a:spcBef>
+              <a:buFontTx/>
+              <a:buNone/>
+            </a:pPr>
+            <a:endParaRPr lang="en-US" altLang="en-US" sz="2400" dirty="0"/>
+          </a:p>
+          <a:p>
+            <a:pPr eaLnBrk="1" hangingPunct="1">
+              <a:spcBef>
+                <a:spcPct val="10000"/>
+              </a:spcBef>
+              <a:buFontTx/>
+              <a:buNone/>
+            </a:pPr>
+            <a:endParaRPr lang="en-US" altLang="en-US" sz="2400" dirty="0"/>
+          </a:p>
+          <a:p>
+            <a:pPr eaLnBrk="1" hangingPunct="1">
+              <a:spcBef>
+                <a:spcPct val="10000"/>
+              </a:spcBef>
+              <a:buFontTx/>
+              <a:buNone/>
+            </a:pPr>
+            <a:endParaRPr lang="en-US" altLang="en-US" sz="2400" dirty="0"/>
+          </a:p>
+          <a:p>
+            <a:pPr eaLnBrk="1" hangingPunct="1">
+              <a:spcBef>
+                <a:spcPct val="10000"/>
+              </a:spcBef>
+              <a:buFontTx/>
+              <a:buNone/>
+            </a:pPr>
+            <a:endParaRPr lang="en-US" altLang="en-US" sz="2400" dirty="0"/>
+          </a:p>
+          <a:p>
+            <a:pPr eaLnBrk="1" hangingPunct="1">
+              <a:spcBef>
+                <a:spcPct val="10000"/>
+              </a:spcBef>
+              <a:buFontTx/>
+              <a:buNone/>
+            </a:pPr>
+            <a:endParaRPr lang="en-US" altLang="en-US" sz="2400" dirty="0"/>
+          </a:p>
+          <a:p>
+            <a:pPr eaLnBrk="1" hangingPunct="1">
+              <a:spcBef>
+                <a:spcPct val="10000"/>
+              </a:spcBef>
+              <a:buFontTx/>
+              <a:buNone/>
+            </a:pPr>
+            <a:endParaRPr lang="en-US" altLang="en-US" sz="2400" dirty="0"/>
+          </a:p>
+          <a:p>
+            <a:pPr eaLnBrk="1" hangingPunct="1">
+              <a:spcBef>
+                <a:spcPct val="10000"/>
+              </a:spcBef>
+              <a:buFontTx/>
+              <a:buNone/>
+            </a:pPr>
+            <a:endParaRPr lang="en-US" altLang="en-US" sz="2400" dirty="0"/>
           </a:p>
           <a:p>
             <a:pPr eaLnBrk="1" hangingPunct="1">
@@ -7358,7 +7517,7 @@
         </p:blipFill>
         <p:spPr>
           <a:xfrm>
-            <a:off x="12665868" y="22786254"/>
+            <a:off x="10984091" y="19058730"/>
             <a:ext cx="7772400" cy="3522518"/>
           </a:xfrm>
           <a:prstGeom prst="roundRect">
@@ -7407,7 +7566,7 @@
         </p:blipFill>
         <p:spPr>
           <a:xfrm>
-            <a:off x="23555254" y="11500161"/>
+            <a:off x="11019694" y="26051787"/>
             <a:ext cx="7772400" cy="4236505"/>
           </a:xfrm>
           <a:prstGeom prst="roundRect">
@@ -7455,7 +7614,7 @@
         </p:blipFill>
         <p:spPr>
           <a:xfrm>
-            <a:off x="13170625" y="13009766"/>
+            <a:off x="10840245" y="10866070"/>
             <a:ext cx="6212716" cy="5755731"/>
           </a:xfrm>
           <a:prstGeom prst="roundRect">
@@ -7474,6 +7633,150 @@
           <a:effectLst>
             <a:reflection blurRad="12700" endPos="0" dist="5000" dir="5400000" sy="-100000" algn="bl" rotWithShape="0"/>
           </a:effectLst>
+        </p:spPr>
+      </p:pic>
+      <p:pic>
+        <p:nvPicPr>
+          <p:cNvPr id="3" name="Picture 2" descr="A graph showing the number of companies&#10;&#10;Description automatically generated">
+            <a:extLst>
+              <a:ext uri="{FF2B5EF4-FFF2-40B4-BE49-F238E27FC236}">
+                <a16:creationId xmlns:a16="http://schemas.microsoft.com/office/drawing/2014/main" id="{F0A94F6E-D51D-256A-DE0A-EDD565BF7817}"/>
+              </a:ext>
+            </a:extLst>
+          </p:cNvPr>
+          <p:cNvPicPr>
+            <a:picLocks noChangeAspect="1"/>
+          </p:cNvPicPr>
+          <p:nvPr/>
+        </p:nvPicPr>
+        <p:blipFill>
+          <a:blip r:embed="rId12">
+            <a:extLst>
+              <a:ext uri="{28A0092B-C50C-407E-A947-70E740481C1C}">
+                <a14:useLocalDpi xmlns:a14="http://schemas.microsoft.com/office/drawing/2010/main" val="0"/>
+              </a:ext>
+            </a:extLst>
+          </a:blip>
+          <a:stretch>
+            <a:fillRect/>
+          </a:stretch>
+        </p:blipFill>
+        <p:spPr>
+          <a:xfrm>
+            <a:off x="22774198" y="10085363"/>
+            <a:ext cx="7005839" cy="3975406"/>
+          </a:xfrm>
+          <a:prstGeom prst="rect">
+            <a:avLst/>
+          </a:prstGeom>
+        </p:spPr>
+      </p:pic>
+      <p:pic>
+        <p:nvPicPr>
+          <p:cNvPr id="10" name="Picture 9" descr="A graph showing the number of lottery&#10;&#10;Description automatically generated">
+            <a:extLst>
+              <a:ext uri="{FF2B5EF4-FFF2-40B4-BE49-F238E27FC236}">
+                <a16:creationId xmlns:a16="http://schemas.microsoft.com/office/drawing/2014/main" id="{0D0592E3-FC91-BE08-6452-A9DC1A589428}"/>
+              </a:ext>
+            </a:extLst>
+          </p:cNvPr>
+          <p:cNvPicPr>
+            <a:picLocks noChangeAspect="1"/>
+          </p:cNvPicPr>
+          <p:nvPr/>
+        </p:nvPicPr>
+        <p:blipFill>
+          <a:blip r:embed="rId13">
+            <a:extLst>
+              <a:ext uri="{28A0092B-C50C-407E-A947-70E740481C1C}">
+                <a14:useLocalDpi xmlns:a14="http://schemas.microsoft.com/office/drawing/2010/main" val="0"/>
+              </a:ext>
+            </a:extLst>
+          </a:blip>
+          <a:stretch>
+            <a:fillRect/>
+          </a:stretch>
+        </p:blipFill>
+        <p:spPr>
+          <a:xfrm>
+            <a:off x="22774198" y="24538900"/>
+            <a:ext cx="6841136" cy="3863975"/>
+          </a:xfrm>
+          <a:prstGeom prst="rect">
+            <a:avLst/>
+          </a:prstGeom>
+        </p:spPr>
+      </p:pic>
+      <p:pic>
+        <p:nvPicPr>
+          <p:cNvPr id="12" name="Picture 11" descr="A graph of different colored lines&#10;&#10;Description automatically generated">
+            <a:extLst>
+              <a:ext uri="{FF2B5EF4-FFF2-40B4-BE49-F238E27FC236}">
+                <a16:creationId xmlns:a16="http://schemas.microsoft.com/office/drawing/2014/main" id="{EBE63C11-150E-8E5A-3914-8F6F5180DB0F}"/>
+              </a:ext>
+            </a:extLst>
+          </p:cNvPr>
+          <p:cNvPicPr>
+            <a:picLocks noChangeAspect="1"/>
+          </p:cNvPicPr>
+          <p:nvPr/>
+        </p:nvPicPr>
+        <p:blipFill>
+          <a:blip r:embed="rId14">
+            <a:extLst>
+              <a:ext uri="{28A0092B-C50C-407E-A947-70E740481C1C}">
+                <a14:useLocalDpi xmlns:a14="http://schemas.microsoft.com/office/drawing/2010/main" val="0"/>
+              </a:ext>
+            </a:extLst>
+          </a:blip>
+          <a:stretch>
+            <a:fillRect/>
+          </a:stretch>
+        </p:blipFill>
+        <p:spPr>
+          <a:xfrm>
+            <a:off x="22774198" y="17326392"/>
+            <a:ext cx="7022131" cy="3975406"/>
+          </a:xfrm>
+          <a:prstGeom prst="rect">
+            <a:avLst/>
+          </a:prstGeom>
+        </p:spPr>
+      </p:pic>
+      <p:pic>
+        <p:nvPicPr>
+          <p:cNvPr id="14" name="Picture 13" descr="A graph with different colored bars&#10;&#10;Description automatically generated">
+            <a:extLst>
+              <a:ext uri="{FF2B5EF4-FFF2-40B4-BE49-F238E27FC236}">
+                <a16:creationId xmlns:a16="http://schemas.microsoft.com/office/drawing/2014/main" id="{6448F024-8EBB-8784-FED0-545902BB574B}"/>
+              </a:ext>
+            </a:extLst>
+          </p:cNvPr>
+          <p:cNvPicPr>
+            <a:picLocks noChangeAspect="1"/>
+          </p:cNvPicPr>
+          <p:nvPr/>
+        </p:nvPicPr>
+        <p:blipFill>
+          <a:blip r:embed="rId15">
+            <a:extLst>
+              <a:ext uri="{28A0092B-C50C-407E-A947-70E740481C1C}">
+                <a14:useLocalDpi xmlns:a14="http://schemas.microsoft.com/office/drawing/2010/main" val="0"/>
+              </a:ext>
+            </a:extLst>
+          </a:blip>
+          <a:stretch>
+            <a:fillRect/>
+          </a:stretch>
+        </p:blipFill>
+        <p:spPr>
+          <a:xfrm>
+            <a:off x="34666778" y="17308232"/>
+            <a:ext cx="7379811" cy="4197375"/>
+          </a:xfrm>
+          <a:prstGeom prst="rect">
+            <a:avLst/>
+          </a:prstGeom>
         </p:spPr>
       </p:pic>
     </p:spTree>

--- a/CEMS Poster 430.pptx
+++ b/CEMS Poster 430.pptx
@@ -7150,8 +7150,13 @@
             </a:r>
             <a:r>
               <a:rPr lang="en-US" altLang="en-US" sz="2400" dirty="0"/>
-              <a:t> characters, contains all the works of William Shakespeare, providing a rich, complex text with varied vocabulary. It's ideal for testing algorithms on large-scale literary data.</a:t>
-            </a:r>
+              <a:t> characters, contains all the works of William Shakespeare, providing a rich, complex text with varied vocabulary. It's ideal for testing algorithms on large-scale literary </a:t>
+            </a:r>
+            <a:r>
+              <a:rPr lang="en-US" altLang="en-US" sz="2400"/>
+              <a:t>data.  </a:t>
+            </a:r>
+            <a:endParaRPr lang="en-US" altLang="en-US" sz="2400" dirty="0"/>
           </a:p>
           <a:p>
             <a:pPr eaLnBrk="1" hangingPunct="1">

--- a/CEMS Poster 430.pptx
+++ b/CEMS Poster 430.pptx
@@ -7619,7 +7619,7 @@
         </p:blipFill>
         <p:spPr>
           <a:xfrm>
-            <a:off x="10840245" y="10866070"/>
+            <a:off x="10840245" y="10536290"/>
             <a:ext cx="6212716" cy="5755731"/>
           </a:xfrm>
           <a:prstGeom prst="roundRect">

--- a/CEMS Poster 430.pptx
+++ b/CEMS Poster 430.pptx
@@ -7522,7 +7522,7 @@
         </p:blipFill>
         <p:spPr>
           <a:xfrm>
-            <a:off x="10984091" y="19058730"/>
+            <a:off x="10970263" y="18492741"/>
             <a:ext cx="7772400" cy="3522518"/>
           </a:xfrm>
           <a:prstGeom prst="roundRect">
@@ -7571,7 +7571,7 @@
         </p:blipFill>
         <p:spPr>
           <a:xfrm>
-            <a:off x="11019694" y="26051787"/>
+            <a:off x="10918791" y="25423822"/>
             <a:ext cx="7772400" cy="4236505"/>
           </a:xfrm>
           <a:prstGeom prst="roundRect">
@@ -7619,7 +7619,7 @@
         </p:blipFill>
         <p:spPr>
           <a:xfrm>
-            <a:off x="10840245" y="10866070"/>
+            <a:off x="10840245" y="10460734"/>
             <a:ext cx="6212716" cy="5755731"/>
           </a:xfrm>
           <a:prstGeom prst="roundRect">

--- a/CEMS Poster 430.pptx
+++ b/CEMS Poster 430.pptx
@@ -4275,7 +4275,7 @@
                 </a:solidFill>
                 <a:latin typeface="Helvetica" pitchFamily="2" charset="0"/>
               </a:rPr>
-              <a:t>Materials and Methods</a:t>
+              <a:t>Algorithm Visualization</a:t>
             </a:r>
             <a:r>
               <a:rPr lang="en-US" altLang="en-US" sz="2400" dirty="0">
@@ -4693,6 +4693,21 @@
               <a:buFontTx/>
               <a:buNone/>
             </a:pPr>
+            <a:endParaRPr lang="en-US" altLang="en-US" sz="4400" b="1" dirty="0">
+              <a:solidFill>
+                <a:srgbClr val="FF8000"/>
+              </a:solidFill>
+              <a:latin typeface="Helvetica" pitchFamily="2" charset="0"/>
+            </a:endParaRPr>
+          </a:p>
+          <a:p>
+            <a:pPr algn="just" eaLnBrk="1" hangingPunct="1">
+              <a:spcBef>
+                <a:spcPct val="0"/>
+              </a:spcBef>
+              <a:buFontTx/>
+              <a:buNone/>
+            </a:pPr>
             <a:r>
               <a:rPr lang="en-US" altLang="en-US" sz="4400" b="1" dirty="0">
                 <a:solidFill>
@@ -4716,8 +4731,18 @@
             </a:pPr>
             <a:r>
               <a:rPr lang="en-US" altLang="en-US" sz="1800" dirty="0"/>
-              <a:t>Rabin-Karp algorithms utilizes hashes to save the text and pattern to check if the inputted pattern, the word “the” in our case, to check if the text contains the pattern. It uses a for loop to check if the pattern matches the hash set and if it doesn’t then the hash for the text moves up based on the length of the pattern to restart the process until either the entirety of the text is gone through or the pattern is found in the text.</a:t>
-            </a:r>
+              <a:t>Rabin-Karp algorithms utilizes hashes to save the text and pattern to check if the inputted pattern, the word “the” in our case, to check if the text contains the pattern. It uses a for loop to check if the pattern matches the hash set and if it doesn’t then the hash for the text moves up based on the length of the pattern to restart the process until either the entirety of the text is gone through, or the pattern is found in the text.</a:t>
+            </a:r>
+          </a:p>
+          <a:p>
+            <a:pPr eaLnBrk="1" hangingPunct="1">
+              <a:spcBef>
+                <a:spcPct val="10000"/>
+              </a:spcBef>
+              <a:buFontTx/>
+              <a:buNone/>
+            </a:pPr>
+            <a:endParaRPr lang="en-US" altLang="en-US" sz="2400" dirty="0"/>
           </a:p>
           <a:p>
             <a:pPr eaLnBrk="1" hangingPunct="1">
@@ -4879,109 +4904,32 @@
               <a:defRPr/>
             </a:pPr>
             <a:r>
-              <a:rPr kumimoji="0" lang="en-US" altLang="en-US" sz="1800" b="0" i="0" u="none" strike="noStrike" kern="1200" cap="none" spc="0" normalizeH="0" baseline="0" noProof="0" dirty="0">
-                <a:ln>
-                  <a:noFill/>
-                </a:ln>
+              <a:rPr lang="en-US" altLang="en-US" sz="1800" dirty="0">
                 <a:solidFill>
                   <a:srgbClr val="000000"/>
                 </a:solidFill>
-                <a:effectLst/>
-                <a:uLnTx/>
-                <a:uFillTx/>
                 <a:latin typeface="Helvetica" pitchFamily="2" charset="0"/>
-                <a:ea typeface="+mn-ea"/>
-                <a:cs typeface="+mn-cs"/>
               </a:rPr>
-              <a:t>The Boyer-Moore algorithm is one of the most efficient string-matching approaches. It’s efficiency derives from its use of *Bad Character* and the *Good Suffix* rules, which decreases the number of comparisons needed </a:t>
-            </a:r>
-            <a:r>
-              <a:rPr kumimoji="0" lang="en-US" altLang="en-US" sz="1800" b="0" i="0" u="none" strike="noStrike" kern="1200" cap="none" spc="0" normalizeH="0" baseline="0" noProof="0" dirty="0" err="1">
-                <a:ln>
-                  <a:noFill/>
-                </a:ln>
+              <a:t>The Brute Force algorithm is a straightforward approach to string-matching. It scans text from left to right without skipping any portion. For each mismatch, the search shifts one character to the right and restarts the pattern check giving an average efficiency of O(m + n) and a worst-case scenario of O(</a:t>
+            </a:r>
+            <a:r>
+              <a:rPr lang="en-US" altLang="en-US" sz="1800" dirty="0" err="1">
                 <a:solidFill>
                   <a:srgbClr val="000000"/>
                 </a:solidFill>
-                <a:effectLst/>
-                <a:uLnTx/>
-                <a:uFillTx/>
                 <a:latin typeface="Helvetica" pitchFamily="2" charset="0"/>
-                <a:ea typeface="+mn-ea"/>
-                <a:cs typeface="+mn-cs"/>
               </a:rPr>
-              <a:t>tobe</a:t>
-            </a:r>
-            <a:r>
-              <a:rPr kumimoji="0" lang="en-US" altLang="en-US" sz="1800" b="0" i="0" u="none" strike="noStrike" kern="1200" cap="none" spc="0" normalizeH="0" baseline="0" noProof="0" dirty="0">
-                <a:ln>
-                  <a:noFill/>
-                </a:ln>
+              <a:t>mn</a:t>
+            </a:r>
+            <a:r>
+              <a:rPr lang="en-US" altLang="en-US" sz="1800" dirty="0">
                 <a:solidFill>
                   <a:srgbClr val="000000"/>
                 </a:solidFill>
-                <a:effectLst/>
-                <a:uLnTx/>
-                <a:uFillTx/>
                 <a:latin typeface="Helvetica" pitchFamily="2" charset="0"/>
-                <a:ea typeface="+mn-ea"/>
-                <a:cs typeface="+mn-cs"/>
               </a:rPr>
-              <a:t> made in a search for a pattern in a dataset . In the case of Boyer-Moore, it scans from right to left and skipping portions of the text when mismatches occur; this enables it to make large jumps, especially with unique or repetitive patterns (Figure 1). According to </a:t>
-            </a:r>
-            <a:r>
-              <a:rPr kumimoji="0" lang="en-US" altLang="en-US" sz="1800" b="0" i="0" u="none" strike="noStrike" kern="1200" cap="none" spc="0" normalizeH="0" baseline="0" noProof="0" dirty="0" err="1">
-                <a:ln>
-                  <a:noFill/>
-                </a:ln>
-                <a:solidFill>
-                  <a:srgbClr val="000000"/>
-                </a:solidFill>
-                <a:effectLst/>
-                <a:uLnTx/>
-                <a:uFillTx/>
-                <a:latin typeface="Helvetica" pitchFamily="2" charset="0"/>
-                <a:ea typeface="+mn-ea"/>
-                <a:cs typeface="+mn-cs"/>
-              </a:rPr>
-              <a:t>GeeksforGeeks</a:t>
-            </a:r>
-            <a:r>
-              <a:rPr kumimoji="0" lang="en-US" altLang="en-US" sz="1800" b="0" i="0" u="none" strike="noStrike" kern="1200" cap="none" spc="0" normalizeH="0" baseline="0" noProof="0" dirty="0">
-                <a:ln>
-                  <a:noFill/>
-                </a:ln>
-                <a:solidFill>
-                  <a:srgbClr val="000000"/>
-                </a:solidFill>
-                <a:effectLst/>
-                <a:uLnTx/>
-                <a:uFillTx/>
-                <a:latin typeface="Helvetica" pitchFamily="2" charset="0"/>
-                <a:ea typeface="+mn-ea"/>
-                <a:cs typeface="+mn-cs"/>
-              </a:rPr>
-              <a:t> (2024) this gives an average time complexity of (O(n/m)), where (n) is the length of the text and (m) is the length of the pattern. Hence, it is faster for typical inputs compared to algorithms such as Brute Force.</a:t>
-            </a:r>
-          </a:p>
-          <a:p>
-            <a:pPr marL="0" marR="0" lvl="0" indent="0" algn="l" defTabSz="914400" rtl="0" eaLnBrk="1" fontAlgn="base" latinLnBrk="0" hangingPunct="1">
-              <a:lnSpc>
-                <a:spcPct val="100000"/>
-              </a:lnSpc>
-              <a:spcBef>
-                <a:spcPct val="10000"/>
-              </a:spcBef>
-              <a:spcAft>
-                <a:spcPct val="0"/>
-              </a:spcAft>
-              <a:buClrTx/>
-              <a:buSzTx/>
-              <a:buFontTx/>
-              <a:buNone/>
-              <a:tabLst/>
-              <a:defRPr/>
-            </a:pPr>
+              <a:t>). While not the most efficient, the algorithm is simple and makes can be suitable for small or less complex datasets with less headache and more readable and easier to use code.</a:t>
+            </a:r>
             <a:endParaRPr lang="en-US" altLang="en-US" sz="1800" dirty="0"/>
           </a:p>
         </p:txBody>
@@ -5554,7 +5502,7 @@
         <p:spPr bwMode="auto">
           <a:xfrm>
             <a:off x="33847088" y="22267862"/>
-            <a:ext cx="9010650" cy="4729163"/>
+            <a:ext cx="9010650" cy="5254894"/>
           </a:xfrm>
           <a:prstGeom prst="rect">
             <a:avLst/>
@@ -5802,6 +5750,66 @@
               <a:t>. Introduction to the Design &amp; Analysis of Algorithms. Pearson, 2012. </a:t>
             </a:r>
           </a:p>
+          <a:p>
+            <a:pPr eaLnBrk="1" hangingPunct="1">
+              <a:spcBef>
+                <a:spcPct val="10000"/>
+              </a:spcBef>
+              <a:buFontTx/>
+              <a:buNone/>
+            </a:pPr>
+            <a:r>
+              <a:rPr lang="en-US" altLang="en-US" sz="2000" dirty="0"/>
+              <a:t>Brute Force Pattern Matching: Study glance. Data Structures Tutorial | Study Glance. (n.d.). https://</a:t>
+            </a:r>
+            <a:r>
+              <a:rPr lang="en-US" altLang="en-US" sz="2000" dirty="0" err="1"/>
+              <a:t>studyglance.in</a:t>
+            </a:r>
+            <a:r>
+              <a:rPr lang="en-US" altLang="en-US" sz="2000" dirty="0"/>
+              <a:t>/ds/</a:t>
+            </a:r>
+            <a:r>
+              <a:rPr lang="en-US" altLang="en-US" sz="2000" dirty="0" err="1"/>
+              <a:t>display.php?tno</a:t>
+            </a:r>
+            <a:r>
+              <a:rPr lang="en-US" altLang="en-US" sz="2000" dirty="0"/>
+              <a:t>=40&amp;topic=Brute-force-Pattern-Matching </a:t>
+            </a:r>
+          </a:p>
+          <a:p>
+            <a:pPr eaLnBrk="1" hangingPunct="1">
+              <a:spcBef>
+                <a:spcPct val="10000"/>
+              </a:spcBef>
+              <a:buFontTx/>
+              <a:buNone/>
+            </a:pPr>
+            <a:r>
+              <a:rPr lang="en-US" altLang="en-US" sz="2000" dirty="0"/>
+              <a:t>Working of Karp-Rabin algorithm. (n.d.). https://</a:t>
+            </a:r>
+            <a:r>
+              <a:rPr lang="en-US" altLang="en-US" sz="2000" dirty="0" err="1"/>
+              <a:t>www.researchgate.net</a:t>
+            </a:r>
+            <a:r>
+              <a:rPr lang="en-US" altLang="en-US" sz="2000" dirty="0"/>
+              <a:t>/figure/Working-of-Karp-Rabin-Algorithm_fig5_332773245 </a:t>
+            </a:r>
+          </a:p>
+          <a:p>
+            <a:pPr eaLnBrk="1" hangingPunct="1">
+              <a:spcBef>
+                <a:spcPct val="10000"/>
+              </a:spcBef>
+              <a:buFontTx/>
+              <a:buNone/>
+            </a:pPr>
+            <a:endParaRPr lang="en-US" altLang="en-US" sz="2000" dirty="0"/>
+          </a:p>
         </p:txBody>
       </p:sp>
       <p:sp>
@@ -5820,8 +5828,8 @@
         </p:nvSpPr>
         <p:spPr bwMode="auto">
           <a:xfrm>
-            <a:off x="5564900" y="20407032"/>
-            <a:ext cx="4148138" cy="1415772"/>
+            <a:off x="5590212" y="20538061"/>
+            <a:ext cx="3341763" cy="1415772"/>
           </a:xfrm>
           <a:prstGeom prst="rect">
             <a:avLst/>
@@ -5861,7 +5869,7 @@
           </a:extLst>
         </p:spPr>
         <p:txBody>
-          <a:bodyPr tIns="91440" bIns="91440">
+          <a:bodyPr wrap="square" tIns="91440" bIns="91440">
             <a:spAutoFit/>
           </a:bodyPr>
           <a:lstStyle>
@@ -6025,8 +6033,8 @@
         </p:nvSpPr>
         <p:spPr bwMode="auto">
           <a:xfrm>
-            <a:off x="5756275" y="24547513"/>
-            <a:ext cx="4208463" cy="2339975"/>
+            <a:off x="5564899" y="24532435"/>
+            <a:ext cx="3341763" cy="1107996"/>
           </a:xfrm>
           <a:prstGeom prst="rect">
             <a:avLst/>
@@ -6066,7 +6074,7 @@
           </a:extLst>
         </p:spPr>
         <p:txBody>
-          <a:bodyPr tIns="91440" bIns="91440">
+          <a:bodyPr wrap="square" tIns="91440" bIns="91440">
             <a:spAutoFit/>
           </a:bodyPr>
           <a:lstStyle>
@@ -6209,7 +6217,7 @@
               <a:rPr lang="en-US" altLang="en-US" sz="2000" dirty="0">
                 <a:latin typeface="Helvetica" pitchFamily="2" charset="0"/>
               </a:rPr>
-              <a:t>. Illustration of important piece of equipment, or perhaps a flow chart summarizing experimental design.  Scanned, hand-drawn illustrations are usually preferable to computer-generated ones.</a:t>
+              <a:t>. Visualization of the Brute Force algorithm string matching</a:t>
             </a:r>
           </a:p>
         </p:txBody>
@@ -6230,8 +6238,8 @@
         </p:nvSpPr>
         <p:spPr bwMode="auto">
           <a:xfrm>
-            <a:off x="33847088" y="26997025"/>
-            <a:ext cx="9010650" cy="3863975"/>
+            <a:off x="33847088" y="27522756"/>
+            <a:ext cx="9010650" cy="3338244"/>
           </a:xfrm>
           <a:prstGeom prst="rect">
             <a:avLst/>
@@ -6476,66 +6484,6 @@
           </a:p>
         </p:txBody>
       </p:sp>
-      <p:pic>
-        <p:nvPicPr>
-          <p:cNvPr id="2096" name="Picture 177" descr="m&amp;mfig">
-            <a:extLst>
-              <a:ext uri="{FF2B5EF4-FFF2-40B4-BE49-F238E27FC236}">
-                <a16:creationId xmlns:a16="http://schemas.microsoft.com/office/drawing/2014/main" id="{F0A06C88-E74E-5AF0-2363-B21EFD202BE4}"/>
-              </a:ext>
-            </a:extLst>
-          </p:cNvPr>
-          <p:cNvPicPr>
-            <a:picLocks noChangeAspect="1" noChangeArrowheads="1"/>
-          </p:cNvPicPr>
-          <p:nvPr/>
-        </p:nvPicPr>
-        <p:blipFill>
-          <a:blip r:embed="rId6">
-            <a:extLst>
-              <a:ext uri="{28A0092B-C50C-407E-A947-70E740481C1C}">
-                <a14:useLocalDpi xmlns:a14="http://schemas.microsoft.com/office/drawing/2010/main" val="0"/>
-              </a:ext>
-            </a:extLst>
-          </a:blip>
-          <a:srcRect/>
-          <a:stretch>
-            <a:fillRect/>
-          </a:stretch>
-        </p:blipFill>
-        <p:spPr bwMode="auto">
-          <a:xfrm>
-            <a:off x="1959613" y="24606251"/>
-            <a:ext cx="3098800" cy="3167063"/>
-          </a:xfrm>
-          <a:prstGeom prst="rect">
-            <a:avLst/>
-          </a:prstGeom>
-          <a:noFill/>
-          <a:ln>
-            <a:noFill/>
-          </a:ln>
-          <a:extLst>
-            <a:ext uri="{909E8E84-426E-40DD-AFC4-6F175D3DCCD1}">
-              <a14:hiddenFill xmlns:a14="http://schemas.microsoft.com/office/drawing/2010/main">
-                <a:solidFill>
-                  <a:srgbClr val="FFFFFF"/>
-                </a:solidFill>
-              </a14:hiddenFill>
-            </a:ext>
-            <a:ext uri="{91240B29-F687-4F45-9708-019B960494DF}">
-              <a14:hiddenLine xmlns:a14="http://schemas.microsoft.com/office/drawing/2010/main" w="9525">
-                <a:solidFill>
-                  <a:srgbClr val="000000"/>
-                </a:solidFill>
-                <a:miter lim="800000"/>
-                <a:headEnd/>
-                <a:tailEnd/>
-              </a14:hiddenLine>
-            </a:ext>
-          </a:extLst>
-        </p:spPr>
-      </p:pic>
       <p:sp>
         <p:nvSpPr>
           <p:cNvPr id="5" name="Rectangle 4">
@@ -6694,7 +6642,7 @@
         </p:nvSpPr>
         <p:spPr>
           <a:xfrm rot="5400000">
-            <a:off x="27247851" y="16235362"/>
+            <a:off x="27247851" y="16451931"/>
             <a:ext cx="32918400" cy="447675"/>
           </a:xfrm>
           <a:prstGeom prst="rect">
@@ -6743,7 +6691,7 @@
           <p:nvPr/>
         </p:nvPicPr>
         <p:blipFill>
-          <a:blip r:embed="rId7">
+          <a:blip r:embed="rId6">
             <a:extLst>
               <a:ext uri="{28A0092B-C50C-407E-A947-70E740481C1C}">
                 <a14:useLocalDpi xmlns:a14="http://schemas.microsoft.com/office/drawing/2010/main" val="0"/>
@@ -6887,7 +6835,7 @@
           <p:nvPr/>
         </p:nvPicPr>
         <p:blipFill>
-          <a:blip r:embed="rId8">
+          <a:blip r:embed="rId7">
             <a:extLst>
               <a:ext uri="{28A0092B-C50C-407E-A947-70E740481C1C}">
                 <a14:useLocalDpi xmlns:a14="http://schemas.microsoft.com/office/drawing/2010/main" val="0"/>
@@ -6906,12 +6854,36 @@
           <a:prstGeom prst="rect">
             <a:avLst/>
           </a:prstGeom>
-          <a:noFill/>
-          <a:ln w="0">
+          <a:solidFill>
+            <a:srgbClr val="FFFFFF">
+              <a:shade val="85000"/>
+            </a:srgbClr>
+          </a:solidFill>
+          <a:ln w="88900" cap="sq">
             <a:solidFill>
-              <a:schemeClr val="hlink"/>
+              <a:srgbClr val="FFFFFF"/>
             </a:solidFill>
+            <a:miter lim="800000"/>
           </a:ln>
+          <a:effectLst>
+            <a:outerShdw blurRad="55000" dist="18000" dir="5400000" algn="tl" rotWithShape="0">
+              <a:srgbClr val="000000">
+                <a:alpha val="40000"/>
+              </a:srgbClr>
+            </a:outerShdw>
+          </a:effectLst>
+          <a:scene3d>
+            <a:camera prst="orthographicFront"/>
+            <a:lightRig rig="twoPt" dir="t">
+              <a:rot lat="0" lon="0" rev="7200000"/>
+            </a:lightRig>
+          </a:scene3d>
+          <a:sp3d>
+            <a:bevelT w="25400" h="19050"/>
+            <a:contourClr>
+              <a:srgbClr val="FFFFFF"/>
+            </a:contourClr>
+          </a:sp3d>
         </p:spPr>
       </p:pic>
       <p:sp>
@@ -7150,33 +7122,8 @@
             </a:r>
             <a:r>
               <a:rPr lang="en-US" altLang="en-US" sz="2400" dirty="0"/>
-              <a:t> characters, contains all the works of William Shakespeare, providing a rich, complex text with varied vocabulary. It's ideal for testing algorithms on large-scale literary </a:t>
-            </a:r>
-            <a:r>
-              <a:rPr lang="en-US" altLang="en-US" sz="2400"/>
-              <a:t>data.  </a:t>
-            </a:r>
-            <a:endParaRPr lang="en-US" altLang="en-US" sz="2400" dirty="0"/>
-          </a:p>
-          <a:p>
-            <a:pPr eaLnBrk="1" hangingPunct="1">
-              <a:spcBef>
-                <a:spcPct val="10000"/>
-              </a:spcBef>
-              <a:buFontTx/>
-              <a:buNone/>
-            </a:pPr>
-            <a:endParaRPr lang="en-US" altLang="en-US" sz="2400" dirty="0"/>
-          </a:p>
-          <a:p>
-            <a:pPr eaLnBrk="1" hangingPunct="1">
-              <a:spcBef>
-                <a:spcPct val="10000"/>
-              </a:spcBef>
-              <a:buFontTx/>
-              <a:buNone/>
-            </a:pPr>
-            <a:endParaRPr lang="en-US" altLang="en-US" sz="2400" dirty="0"/>
+              <a:t> characters containing all the works of William Shakespeare, in turn providing a rich, complex text with varied vocabulary. It's ideal for testing algorithms on large-scale literary data. Analysis of the word “the” in these texts found fairly consistent completion time amongst all three algorithms with Rabin Karp coming in around 1 second, performing worse than brute-force at 0.4 seconds and Boyer Moore who did the best with just around 0.3 seconds.</a:t>
+            </a:r>
           </a:p>
           <a:p>
             <a:pPr eaLnBrk="1" hangingPunct="1">
@@ -7327,18 +7274,8 @@
             </a:r>
             <a:r>
               <a:rPr lang="en-US" altLang="en-US" sz="2400" dirty="0"/>
-              <a:t> characters, this modern dialogue-heavy text provides a moderate-sized dataset for testing. The conversational format and repetitive dialogue patterns help evaluate an algorithm’s ability to manage redundancy and handle moderately large text files.</a:t>
-            </a:r>
-          </a:p>
-          <a:p>
-            <a:pPr eaLnBrk="1" hangingPunct="1">
-              <a:spcBef>
-                <a:spcPct val="10000"/>
-              </a:spcBef>
-              <a:buFontTx/>
-              <a:buNone/>
-            </a:pPr>
-            <a:endParaRPr lang="en-US" altLang="en-US" sz="2400" dirty="0"/>
+              <a:t> characters, this modern dialogue-heavy text provides a moderate-sized dataset for testing. The conversational format and repetitive dialogue patterns help evaluate an algorithm’s ability to manage redundancy and handle moderately large text files. For this test, all three algorithms were very consistent with time, resulting in similar rankings as the Shakespeare test but in half the time. Rabin Karp still did the worst at 0.05 seconds, followed by brute-force at 0.02 seconds and Boyer Moore just bellow at around 0.016 seconds.</a:t>
+            </a:r>
           </a:p>
           <a:p>
             <a:pPr eaLnBrk="1" hangingPunct="1">
@@ -7489,7 +7426,7 @@
             </a:r>
             <a:r>
               <a:rPr lang="en-US" altLang="en-US" sz="2400" dirty="0"/>
-              <a:t> characters, is concise allowing for quick testing of algorithms on smaller inputs. It’s suitable for evaluating an algorithm’s performance on compact datasets and understanding baseline behavior in terms of CPU time. </a:t>
+              <a:t> characters, is concise allowing for quick testing of algorithms on smaller inputs. It’s suitable for evaluating an algorithm’s performance on compact datasets and understanding baseline behavior in terms of CPU time. For this test the time tended to be a bit less consistent than the others but still relatively consistent due to the reduction in time with the smaller dataset. Like the other datasets, Rabin Karp came out the worst at 0.0035 seconds, brute-force and Boyer Moore under that at around 0.001 and 0.0015 seconds.</a:t>
             </a:r>
           </a:p>
         </p:txBody>
@@ -7509,7 +7446,7 @@
           <p:nvPr/>
         </p:nvPicPr>
         <p:blipFill>
-          <a:blip r:embed="rId9">
+          <a:blip r:embed="rId8">
             <a:extLst>
               <a:ext uri="{28A0092B-C50C-407E-A947-70E740481C1C}">
                 <a14:useLocalDpi xmlns:a14="http://schemas.microsoft.com/office/drawing/2010/main" val="0"/>
@@ -7522,7 +7459,7 @@
         </p:blipFill>
         <p:spPr>
           <a:xfrm>
-            <a:off x="10970263" y="18492741"/>
+            <a:off x="10838859" y="19314095"/>
             <a:ext cx="7772400" cy="3522518"/>
           </a:xfrm>
           <a:prstGeom prst="roundRect">
@@ -7558,7 +7495,7 @@
           <p:nvPr/>
         </p:nvPicPr>
         <p:blipFill>
-          <a:blip r:embed="rId10">
+          <a:blip r:embed="rId9">
             <a:extLst>
               <a:ext uri="{28A0092B-C50C-407E-A947-70E740481C1C}">
                 <a14:useLocalDpi xmlns:a14="http://schemas.microsoft.com/office/drawing/2010/main" val="0"/>
@@ -7571,7 +7508,7 @@
         </p:blipFill>
         <p:spPr>
           <a:xfrm>
-            <a:off x="10918791" y="25423822"/>
+            <a:off x="10838859" y="25872526"/>
             <a:ext cx="7772400" cy="4236505"/>
           </a:xfrm>
           <a:prstGeom prst="roundRect">
@@ -7607,7 +7544,7 @@
           <p:nvPr/>
         </p:nvPicPr>
         <p:blipFill>
-          <a:blip r:embed="rId11">
+          <a:blip r:embed="rId10">
             <a:extLst>
               <a:ext uri="{28A0092B-C50C-407E-A947-70E740481C1C}">
                 <a14:useLocalDpi xmlns:a14="http://schemas.microsoft.com/office/drawing/2010/main" val="0"/>
@@ -7619,7 +7556,7 @@
         </p:blipFill>
         <p:spPr>
           <a:xfrm>
-            <a:off x="10840245" y="10460734"/>
+            <a:off x="10839897" y="10650538"/>
             <a:ext cx="6212716" cy="5755731"/>
           </a:xfrm>
           <a:prstGeom prst="roundRect">
@@ -7655,7 +7592,7 @@
           <p:nvPr/>
         </p:nvPicPr>
         <p:blipFill>
-          <a:blip r:embed="rId12">
+          <a:blip r:embed="rId11">
             <a:extLst>
               <a:ext uri="{28A0092B-C50C-407E-A947-70E740481C1C}">
                 <a14:useLocalDpi xmlns:a14="http://schemas.microsoft.com/office/drawing/2010/main" val="0"/>
@@ -7668,7 +7605,7 @@
         </p:blipFill>
         <p:spPr>
           <a:xfrm>
-            <a:off x="22774198" y="10085363"/>
+            <a:off x="22773850" y="10782258"/>
             <a:ext cx="7005839" cy="3975406"/>
           </a:xfrm>
           <a:prstGeom prst="rect">
@@ -7691,7 +7628,7 @@
           <p:nvPr/>
         </p:nvPicPr>
         <p:blipFill>
-          <a:blip r:embed="rId13">
+          <a:blip r:embed="rId12">
             <a:extLst>
               <a:ext uri="{28A0092B-C50C-407E-A947-70E740481C1C}">
                 <a14:useLocalDpi xmlns:a14="http://schemas.microsoft.com/office/drawing/2010/main" val="0"/>
@@ -7704,7 +7641,7 @@
         </p:blipFill>
         <p:spPr>
           <a:xfrm>
-            <a:off x="22774198" y="24538900"/>
+            <a:off x="22772812" y="26409483"/>
             <a:ext cx="6841136" cy="3863975"/>
           </a:xfrm>
           <a:prstGeom prst="rect">
@@ -7727,7 +7664,7 @@
           <p:nvPr/>
         </p:nvPicPr>
         <p:blipFill>
-          <a:blip r:embed="rId14">
+          <a:blip r:embed="rId13">
             <a:extLst>
               <a:ext uri="{28A0092B-C50C-407E-A947-70E740481C1C}">
                 <a14:useLocalDpi xmlns:a14="http://schemas.microsoft.com/office/drawing/2010/main" val="0"/>
@@ -7740,7 +7677,7 @@
         </p:blipFill>
         <p:spPr>
           <a:xfrm>
-            <a:off x="22774198" y="17326392"/>
+            <a:off x="22726650" y="18550358"/>
             <a:ext cx="7022131" cy="3975406"/>
           </a:xfrm>
           <a:prstGeom prst="rect">
@@ -7763,7 +7700,7 @@
           <p:nvPr/>
         </p:nvPicPr>
         <p:blipFill>
-          <a:blip r:embed="rId15">
+          <a:blip r:embed="rId14">
             <a:extLst>
               <a:ext uri="{28A0092B-C50C-407E-A947-70E740481C1C}">
                 <a14:useLocalDpi xmlns:a14="http://schemas.microsoft.com/office/drawing/2010/main" val="0"/>
@@ -7784,6 +7721,361 @@
           </a:prstGeom>
         </p:spPr>
       </p:pic>
+      <p:pic>
+        <p:nvPicPr>
+          <p:cNvPr id="1026" name="Picture 2" descr="Brute force Pattern Matching - Data Structures Tutorial | Study Glance">
+            <a:extLst>
+              <a:ext uri="{FF2B5EF4-FFF2-40B4-BE49-F238E27FC236}">
+                <a16:creationId xmlns:a16="http://schemas.microsoft.com/office/drawing/2014/main" id="{7DF09B6E-072A-786C-4676-0203A43C1918}"/>
+              </a:ext>
+            </a:extLst>
+          </p:cNvPr>
+          <p:cNvPicPr>
+            <a:picLocks noChangeAspect="1" noChangeArrowheads="1"/>
+          </p:cNvPicPr>
+          <p:nvPr/>
+        </p:nvPicPr>
+        <p:blipFill>
+          <a:blip r:embed="rId15">
+            <a:extLst>
+              <a:ext uri="{28A0092B-C50C-407E-A947-70E740481C1C}">
+                <a14:useLocalDpi xmlns:a14="http://schemas.microsoft.com/office/drawing/2010/main" val="0"/>
+              </a:ext>
+            </a:extLst>
+          </a:blip>
+          <a:srcRect/>
+          <a:stretch>
+            <a:fillRect/>
+          </a:stretch>
+        </p:blipFill>
+        <p:spPr bwMode="auto">
+          <a:xfrm>
+            <a:off x="1957355" y="24346168"/>
+            <a:ext cx="3039442" cy="2650857"/>
+          </a:xfrm>
+          <a:prstGeom prst="rect">
+            <a:avLst/>
+          </a:prstGeom>
+          <a:solidFill>
+            <a:srgbClr val="FFFFFF">
+              <a:shade val="85000"/>
+            </a:srgbClr>
+          </a:solidFill>
+          <a:ln w="88900" cap="sq">
+            <a:solidFill>
+              <a:srgbClr val="FFFFFF"/>
+            </a:solidFill>
+            <a:miter lim="800000"/>
+          </a:ln>
+          <a:effectLst>
+            <a:outerShdw blurRad="55000" dist="18000" dir="5400000" algn="tl" rotWithShape="0">
+              <a:srgbClr val="000000">
+                <a:alpha val="40000"/>
+              </a:srgbClr>
+            </a:outerShdw>
+          </a:effectLst>
+          <a:scene3d>
+            <a:camera prst="orthographicFront"/>
+            <a:lightRig rig="twoPt" dir="t">
+              <a:rot lat="0" lon="0" rev="7200000"/>
+            </a:lightRig>
+          </a:scene3d>
+          <a:sp3d>
+            <a:bevelT w="25400" h="19050"/>
+            <a:contourClr>
+              <a:srgbClr val="FFFFFF"/>
+            </a:contourClr>
+          </a:sp3d>
+          <a:extLst>
+            <a:ext uri="{909E8E84-426E-40DD-AFC4-6F175D3DCCD1}">
+              <a14:hiddenFill xmlns:a14="http://schemas.microsoft.com/office/drawing/2010/main">
+                <a:solidFill>
+                  <a:srgbClr val="FFFFFF"/>
+                </a:solidFill>
+              </a14:hiddenFill>
+            </a:ext>
+          </a:extLst>
+        </p:spPr>
+      </p:pic>
+      <p:pic>
+        <p:nvPicPr>
+          <p:cNvPr id="1028" name="Picture 4" descr="Rabin-Karp Algorithm | Concept | Horner's Rule | Part 1">
+            <a:extLst>
+              <a:ext uri="{FF2B5EF4-FFF2-40B4-BE49-F238E27FC236}">
+                <a16:creationId xmlns:a16="http://schemas.microsoft.com/office/drawing/2014/main" id="{8026BBE1-285C-48F8-DAF0-B740B5B7CE84}"/>
+              </a:ext>
+            </a:extLst>
+          </p:cNvPr>
+          <p:cNvPicPr>
+            <a:picLocks noChangeAspect="1" noChangeArrowheads="1"/>
+          </p:cNvPicPr>
+          <p:nvPr/>
+        </p:nvPicPr>
+        <p:blipFill rotWithShape="1">
+          <a:blip r:embed="rId16">
+            <a:extLst>
+              <a:ext uri="{28A0092B-C50C-407E-A947-70E740481C1C}">
+                <a14:useLocalDpi xmlns:a14="http://schemas.microsoft.com/office/drawing/2010/main" val="0"/>
+              </a:ext>
+            </a:extLst>
+          </a:blip>
+          <a:srcRect l="9218" t="40001" r="56564" b="12500"/>
+          <a:stretch/>
+        </p:blipFill>
+        <p:spPr bwMode="auto">
+          <a:xfrm>
+            <a:off x="1965278" y="27522756"/>
+            <a:ext cx="2983671" cy="2329716"/>
+          </a:xfrm>
+          <a:prstGeom prst="rect">
+            <a:avLst/>
+          </a:prstGeom>
+          <a:solidFill>
+            <a:srgbClr val="FFFFFF">
+              <a:shade val="85000"/>
+            </a:srgbClr>
+          </a:solidFill>
+          <a:ln w="88900" cap="sq">
+            <a:solidFill>
+              <a:srgbClr val="FFFFFF"/>
+            </a:solidFill>
+            <a:miter lim="800000"/>
+          </a:ln>
+          <a:effectLst>
+            <a:outerShdw blurRad="55000" dist="18000" dir="5400000" algn="tl" rotWithShape="0">
+              <a:srgbClr val="000000">
+                <a:alpha val="40000"/>
+              </a:srgbClr>
+            </a:outerShdw>
+          </a:effectLst>
+          <a:scene3d>
+            <a:camera prst="orthographicFront"/>
+            <a:lightRig rig="twoPt" dir="t">
+              <a:rot lat="0" lon="0" rev="7200000"/>
+            </a:lightRig>
+          </a:scene3d>
+          <a:sp3d>
+            <a:bevelT w="25400" h="19050"/>
+            <a:contourClr>
+              <a:srgbClr val="FFFFFF"/>
+            </a:contourClr>
+          </a:sp3d>
+          <a:extLst>
+            <a:ext uri="{909E8E84-426E-40DD-AFC4-6F175D3DCCD1}">
+              <a14:hiddenFill xmlns:a14="http://schemas.microsoft.com/office/drawing/2010/main">
+                <a:solidFill>
+                  <a:srgbClr val="FFFFFF"/>
+                </a:solidFill>
+              </a14:hiddenFill>
+            </a:ext>
+          </a:extLst>
+        </p:spPr>
+      </p:pic>
+      <p:sp>
+        <p:nvSpPr>
+          <p:cNvPr id="2" name="Text Box 33">
+            <a:extLst>
+              <a:ext uri="{FF2B5EF4-FFF2-40B4-BE49-F238E27FC236}">
+                <a16:creationId xmlns:a16="http://schemas.microsoft.com/office/drawing/2014/main" id="{2D9BE255-A486-D070-DAAD-FCE22B870AF3}"/>
+              </a:ext>
+            </a:extLst>
+          </p:cNvPr>
+          <p:cNvSpPr txBox="1">
+            <a:spLocks noChangeArrowheads="1"/>
+          </p:cNvSpPr>
+          <p:nvPr/>
+        </p:nvSpPr>
+        <p:spPr bwMode="auto">
+          <a:xfrm>
+            <a:off x="5532440" y="27787473"/>
+            <a:ext cx="3341763" cy="1107996"/>
+          </a:xfrm>
+          <a:prstGeom prst="rect">
+            <a:avLst/>
+          </a:prstGeom>
+          <a:noFill/>
+          <a:ln>
+            <a:noFill/>
+          </a:ln>
+          <a:effectLst/>
+          <a:extLst>
+            <a:ext uri="{909E8E84-426E-40DD-AFC4-6F175D3DCCD1}">
+              <a14:hiddenFill xmlns:a14="http://schemas.microsoft.com/office/drawing/2010/main">
+                <a:solidFill>
+                  <a:schemeClr val="bg1"/>
+                </a:solidFill>
+              </a14:hiddenFill>
+            </a:ext>
+            <a:ext uri="{91240B29-F687-4F45-9708-019B960494DF}">
+              <a14:hiddenLine xmlns:a14="http://schemas.microsoft.com/office/drawing/2010/main" w="9525">
+                <a:solidFill>
+                  <a:schemeClr val="bg2"/>
+                </a:solidFill>
+                <a:miter lim="800000"/>
+                <a:headEnd/>
+                <a:tailEnd/>
+              </a14:hiddenLine>
+            </a:ext>
+            <a:ext uri="{AF507438-7753-43E0-B8FC-AC1667EBCBE1}">
+              <a14:hiddenEffects xmlns:a14="http://schemas.microsoft.com/office/drawing/2010/main">
+                <a:effectLst>
+                  <a:outerShdw dist="35921" dir="2700000" algn="ctr" rotWithShape="0">
+                    <a:schemeClr val="bg2"/>
+                  </a:outerShdw>
+                </a:effectLst>
+              </a14:hiddenEffects>
+            </a:ext>
+          </a:extLst>
+        </p:spPr>
+        <p:txBody>
+          <a:bodyPr wrap="square" tIns="91440" bIns="91440">
+            <a:spAutoFit/>
+          </a:bodyPr>
+          <a:lstStyle>
+            <a:lvl1pPr>
+              <a:spcBef>
+                <a:spcPct val="20000"/>
+              </a:spcBef>
+              <a:buChar char="•"/>
+              <a:defRPr sz="14300">
+                <a:solidFill>
+                  <a:schemeClr val="tx1"/>
+                </a:solidFill>
+                <a:latin typeface="Times New Roman" panose="02020603050405020304" pitchFamily="18" charset="0"/>
+              </a:defRPr>
+            </a:lvl1pPr>
+            <a:lvl2pPr marL="742950" indent="-285750">
+              <a:spcBef>
+                <a:spcPct val="20000"/>
+              </a:spcBef>
+              <a:buChar char="–"/>
+              <a:defRPr sz="12500">
+                <a:solidFill>
+                  <a:schemeClr val="tx1"/>
+                </a:solidFill>
+                <a:latin typeface="Times New Roman" panose="02020603050405020304" pitchFamily="18" charset="0"/>
+              </a:defRPr>
+            </a:lvl2pPr>
+            <a:lvl3pPr marL="1143000" indent="-228600">
+              <a:spcBef>
+                <a:spcPct val="20000"/>
+              </a:spcBef>
+              <a:buChar char="•"/>
+              <a:defRPr sz="10700">
+                <a:solidFill>
+                  <a:schemeClr val="tx1"/>
+                </a:solidFill>
+                <a:latin typeface="Times New Roman" panose="02020603050405020304" pitchFamily="18" charset="0"/>
+              </a:defRPr>
+            </a:lvl3pPr>
+            <a:lvl4pPr marL="1600200" indent="-228600">
+              <a:spcBef>
+                <a:spcPct val="20000"/>
+              </a:spcBef>
+              <a:buChar char="–"/>
+              <a:defRPr sz="8900">
+                <a:solidFill>
+                  <a:schemeClr val="tx1"/>
+                </a:solidFill>
+                <a:latin typeface="Times New Roman" panose="02020603050405020304" pitchFamily="18" charset="0"/>
+              </a:defRPr>
+            </a:lvl4pPr>
+            <a:lvl5pPr marL="2057400" indent="-228600">
+              <a:spcBef>
+                <a:spcPct val="20000"/>
+              </a:spcBef>
+              <a:buChar char="»"/>
+              <a:defRPr sz="8900">
+                <a:solidFill>
+                  <a:schemeClr val="tx1"/>
+                </a:solidFill>
+                <a:latin typeface="Times New Roman" panose="02020603050405020304" pitchFamily="18" charset="0"/>
+              </a:defRPr>
+            </a:lvl5pPr>
+            <a:lvl6pPr marL="2514600" indent="-228600" eaLnBrk="0" fontAlgn="base" hangingPunct="0">
+              <a:spcBef>
+                <a:spcPct val="20000"/>
+              </a:spcBef>
+              <a:spcAft>
+                <a:spcPct val="0"/>
+              </a:spcAft>
+              <a:buChar char="»"/>
+              <a:defRPr sz="8900">
+                <a:solidFill>
+                  <a:schemeClr val="tx1"/>
+                </a:solidFill>
+                <a:latin typeface="Times New Roman" panose="02020603050405020304" pitchFamily="18" charset="0"/>
+              </a:defRPr>
+            </a:lvl6pPr>
+            <a:lvl7pPr marL="2971800" indent="-228600" eaLnBrk="0" fontAlgn="base" hangingPunct="0">
+              <a:spcBef>
+                <a:spcPct val="20000"/>
+              </a:spcBef>
+              <a:spcAft>
+                <a:spcPct val="0"/>
+              </a:spcAft>
+              <a:buChar char="»"/>
+              <a:defRPr sz="8900">
+                <a:solidFill>
+                  <a:schemeClr val="tx1"/>
+                </a:solidFill>
+                <a:latin typeface="Times New Roman" panose="02020603050405020304" pitchFamily="18" charset="0"/>
+              </a:defRPr>
+            </a:lvl7pPr>
+            <a:lvl8pPr marL="3429000" indent="-228600" eaLnBrk="0" fontAlgn="base" hangingPunct="0">
+              <a:spcBef>
+                <a:spcPct val="20000"/>
+              </a:spcBef>
+              <a:spcAft>
+                <a:spcPct val="0"/>
+              </a:spcAft>
+              <a:buChar char="»"/>
+              <a:defRPr sz="8900">
+                <a:solidFill>
+                  <a:schemeClr val="tx1"/>
+                </a:solidFill>
+                <a:latin typeface="Times New Roman" panose="02020603050405020304" pitchFamily="18" charset="0"/>
+              </a:defRPr>
+            </a:lvl8pPr>
+            <a:lvl9pPr marL="3886200" indent="-228600" eaLnBrk="0" fontAlgn="base" hangingPunct="0">
+              <a:spcBef>
+                <a:spcPct val="20000"/>
+              </a:spcBef>
+              <a:spcAft>
+                <a:spcPct val="0"/>
+              </a:spcAft>
+              <a:buChar char="»"/>
+              <a:defRPr sz="8900">
+                <a:solidFill>
+                  <a:schemeClr val="tx1"/>
+                </a:solidFill>
+                <a:latin typeface="Times New Roman" panose="02020603050405020304" pitchFamily="18" charset="0"/>
+              </a:defRPr>
+            </a:lvl9pPr>
+          </a:lstStyle>
+          <a:p>
+            <a:pPr eaLnBrk="1" hangingPunct="1">
+              <a:spcBef>
+                <a:spcPct val="0"/>
+              </a:spcBef>
+              <a:buFontTx/>
+              <a:buNone/>
+            </a:pPr>
+            <a:r>
+              <a:rPr lang="en-US" altLang="en-US" sz="2000" b="1" dirty="0">
+                <a:latin typeface="Helvetica" pitchFamily="2" charset="0"/>
+              </a:rPr>
+              <a:t>Figure 3</a:t>
+            </a:r>
+            <a:r>
+              <a:rPr lang="en-US" altLang="en-US" sz="2000" dirty="0">
+                <a:latin typeface="Helvetica" pitchFamily="2" charset="0"/>
+              </a:rPr>
+              <a:t>. Visualization of the Rabin Karp algorithm string matching</a:t>
+            </a:r>
+          </a:p>
+        </p:txBody>
+      </p:sp>
     </p:spTree>
   </p:cSld>
   <p:clrMapOvr>

--- a/CEMS Poster 430.pptx
+++ b/CEMS Poster 430.pptx
@@ -7433,152 +7433,6 @@
       </p:sp>
       <p:pic>
         <p:nvPicPr>
-          <p:cNvPr id="7" name="Picture 6" descr="A computer screen shot of a program code&#10;&#10;Description automatically generated">
-            <a:extLst>
-              <a:ext uri="{FF2B5EF4-FFF2-40B4-BE49-F238E27FC236}">
-                <a16:creationId xmlns:a16="http://schemas.microsoft.com/office/drawing/2014/main" id="{55F1AF95-9D55-5000-2AD9-CB27D33AF939}"/>
-              </a:ext>
-            </a:extLst>
-          </p:cNvPr>
-          <p:cNvPicPr>
-            <a:picLocks noChangeAspect="1"/>
-          </p:cNvPicPr>
-          <p:nvPr/>
-        </p:nvPicPr>
-        <p:blipFill>
-          <a:blip r:embed="rId8">
-            <a:extLst>
-              <a:ext uri="{28A0092B-C50C-407E-A947-70E740481C1C}">
-                <a14:useLocalDpi xmlns:a14="http://schemas.microsoft.com/office/drawing/2010/main" val="0"/>
-              </a:ext>
-            </a:extLst>
-          </a:blip>
-          <a:stretch>
-            <a:fillRect/>
-          </a:stretch>
-        </p:blipFill>
-        <p:spPr>
-          <a:xfrm>
-            <a:off x="10838859" y="19314095"/>
-            <a:ext cx="7772400" cy="3522518"/>
-          </a:xfrm>
-          <a:prstGeom prst="roundRect">
-            <a:avLst>
-              <a:gd name="adj" fmla="val 8594"/>
-            </a:avLst>
-          </a:prstGeom>
-          <a:solidFill>
-            <a:srgbClr val="FFFFFF">
-              <a:shade val="85000"/>
-            </a:srgbClr>
-          </a:solidFill>
-          <a:ln>
-            <a:noFill/>
-          </a:ln>
-          <a:effectLst>
-            <a:reflection blurRad="12700" endPos="0" dist="5000" dir="5400000" sy="-100000" algn="bl" rotWithShape="0"/>
-          </a:effectLst>
-        </p:spPr>
-      </p:pic>
-      <p:pic>
-        <p:nvPicPr>
-          <p:cNvPr id="16" name="Picture 15" descr="A screenshot of a computer program&#10;&#10;Description automatically generated">
-            <a:extLst>
-              <a:ext uri="{FF2B5EF4-FFF2-40B4-BE49-F238E27FC236}">
-                <a16:creationId xmlns:a16="http://schemas.microsoft.com/office/drawing/2014/main" id="{9F37372E-2274-197C-905A-CF6758A161FC}"/>
-              </a:ext>
-            </a:extLst>
-          </p:cNvPr>
-          <p:cNvPicPr>
-            <a:picLocks noChangeAspect="1"/>
-          </p:cNvPicPr>
-          <p:nvPr/>
-        </p:nvPicPr>
-        <p:blipFill>
-          <a:blip r:embed="rId9">
-            <a:extLst>
-              <a:ext uri="{28A0092B-C50C-407E-A947-70E740481C1C}">
-                <a14:useLocalDpi xmlns:a14="http://schemas.microsoft.com/office/drawing/2010/main" val="0"/>
-              </a:ext>
-            </a:extLst>
-          </a:blip>
-          <a:stretch>
-            <a:fillRect/>
-          </a:stretch>
-        </p:blipFill>
-        <p:spPr>
-          <a:xfrm>
-            <a:off x="10838859" y="25872526"/>
-            <a:ext cx="7772400" cy="4236505"/>
-          </a:xfrm>
-          <a:prstGeom prst="roundRect">
-            <a:avLst>
-              <a:gd name="adj" fmla="val 8594"/>
-            </a:avLst>
-          </a:prstGeom>
-          <a:solidFill>
-            <a:srgbClr val="FFFFFF">
-              <a:shade val="85000"/>
-            </a:srgbClr>
-          </a:solidFill>
-          <a:ln>
-            <a:noFill/>
-          </a:ln>
-          <a:effectLst>
-            <a:reflection blurRad="12700" endPos="0" dist="5000" dir="5400000" sy="-100000" algn="bl" rotWithShape="0"/>
-          </a:effectLst>
-        </p:spPr>
-      </p:pic>
-      <p:pic>
-        <p:nvPicPr>
-          <p:cNvPr id="18" name="Picture 17" descr="A screenshot of a computer program&#10;&#10;Description automatically generated">
-            <a:extLst>
-              <a:ext uri="{FF2B5EF4-FFF2-40B4-BE49-F238E27FC236}">
-                <a16:creationId xmlns:a16="http://schemas.microsoft.com/office/drawing/2014/main" id="{61C8004F-7EEC-6554-D229-DE4A16AC375F}"/>
-              </a:ext>
-            </a:extLst>
-          </p:cNvPr>
-          <p:cNvPicPr>
-            <a:picLocks noChangeAspect="1"/>
-          </p:cNvPicPr>
-          <p:nvPr/>
-        </p:nvPicPr>
-        <p:blipFill>
-          <a:blip r:embed="rId10">
-            <a:extLst>
-              <a:ext uri="{28A0092B-C50C-407E-A947-70E740481C1C}">
-                <a14:useLocalDpi xmlns:a14="http://schemas.microsoft.com/office/drawing/2010/main" val="0"/>
-              </a:ext>
-            </a:extLst>
-          </a:blip>
-          <a:srcRect t="19174"/>
-          <a:stretch/>
-        </p:blipFill>
-        <p:spPr>
-          <a:xfrm>
-            <a:off x="10839897" y="10650538"/>
-            <a:ext cx="6212716" cy="5755731"/>
-          </a:xfrm>
-          <a:prstGeom prst="roundRect">
-            <a:avLst>
-              <a:gd name="adj" fmla="val 8594"/>
-            </a:avLst>
-          </a:prstGeom>
-          <a:solidFill>
-            <a:srgbClr val="FFFFFF">
-              <a:shade val="85000"/>
-            </a:srgbClr>
-          </a:solidFill>
-          <a:ln>
-            <a:noFill/>
-          </a:ln>
-          <a:effectLst>
-            <a:reflection blurRad="12700" endPos="0" dist="5000" dir="5400000" sy="-100000" algn="bl" rotWithShape="0"/>
-          </a:effectLst>
-        </p:spPr>
-      </p:pic>
-      <p:pic>
-        <p:nvPicPr>
           <p:cNvPr id="3" name="Picture 2" descr="A graph showing the number of companies&#10;&#10;Description automatically generated">
             <a:extLst>
               <a:ext uri="{FF2B5EF4-FFF2-40B4-BE49-F238E27FC236}">
@@ -7592,7 +7446,7 @@
           <p:nvPr/>
         </p:nvPicPr>
         <p:blipFill>
-          <a:blip r:embed="rId11">
+          <a:blip r:embed="rId8">
             <a:extLst>
               <a:ext uri="{28A0092B-C50C-407E-A947-70E740481C1C}">
                 <a14:useLocalDpi xmlns:a14="http://schemas.microsoft.com/office/drawing/2010/main" val="0"/>
@@ -7628,7 +7482,7 @@
           <p:nvPr/>
         </p:nvPicPr>
         <p:blipFill>
-          <a:blip r:embed="rId12">
+          <a:blip r:embed="rId9">
             <a:extLst>
               <a:ext uri="{28A0092B-C50C-407E-A947-70E740481C1C}">
                 <a14:useLocalDpi xmlns:a14="http://schemas.microsoft.com/office/drawing/2010/main" val="0"/>
@@ -7664,7 +7518,7 @@
           <p:nvPr/>
         </p:nvPicPr>
         <p:blipFill>
-          <a:blip r:embed="rId13">
+          <a:blip r:embed="rId10">
             <a:extLst>
               <a:ext uri="{28A0092B-C50C-407E-A947-70E740481C1C}">
                 <a14:useLocalDpi xmlns:a14="http://schemas.microsoft.com/office/drawing/2010/main" val="0"/>
@@ -7700,7 +7554,7 @@
           <p:nvPr/>
         </p:nvPicPr>
         <p:blipFill>
-          <a:blip r:embed="rId14">
+          <a:blip r:embed="rId11">
             <a:extLst>
               <a:ext uri="{28A0092B-C50C-407E-A947-70E740481C1C}">
                 <a14:useLocalDpi xmlns:a14="http://schemas.microsoft.com/office/drawing/2010/main" val="0"/>
@@ -7736,7 +7590,7 @@
           <p:nvPr/>
         </p:nvPicPr>
         <p:blipFill>
-          <a:blip r:embed="rId15">
+          <a:blip r:embed="rId12">
             <a:extLst>
               <a:ext uri="{28A0092B-C50C-407E-A947-70E740481C1C}">
                 <a14:useLocalDpi xmlns:a14="http://schemas.microsoft.com/office/drawing/2010/main" val="0"/>
@@ -7786,15 +7640,6 @@
               <a:srgbClr val="FFFFFF"/>
             </a:contourClr>
           </a:sp3d>
-          <a:extLst>
-            <a:ext uri="{909E8E84-426E-40DD-AFC4-6F175D3DCCD1}">
-              <a14:hiddenFill xmlns:a14="http://schemas.microsoft.com/office/drawing/2010/main">
-                <a:solidFill>
-                  <a:srgbClr val="FFFFFF"/>
-                </a:solidFill>
-              </a14:hiddenFill>
-            </a:ext>
-          </a:extLst>
         </p:spPr>
       </p:pic>
       <p:pic>
@@ -7812,7 +7657,7 @@
           <p:nvPr/>
         </p:nvPicPr>
         <p:blipFill rotWithShape="1">
-          <a:blip r:embed="rId16">
+          <a:blip r:embed="rId13">
             <a:extLst>
               <a:ext uri="{28A0092B-C50C-407E-A947-70E740481C1C}">
                 <a14:useLocalDpi xmlns:a14="http://schemas.microsoft.com/office/drawing/2010/main" val="0"/>
@@ -7860,15 +7705,6 @@
               <a:srgbClr val="FFFFFF"/>
             </a:contourClr>
           </a:sp3d>
-          <a:extLst>
-            <a:ext uri="{909E8E84-426E-40DD-AFC4-6F175D3DCCD1}">
-              <a14:hiddenFill xmlns:a14="http://schemas.microsoft.com/office/drawing/2010/main">
-                <a:solidFill>
-                  <a:srgbClr val="FFFFFF"/>
-                </a:solidFill>
-              </a14:hiddenFill>
-            </a:ext>
-          </a:extLst>
         </p:spPr>
       </p:pic>
       <p:sp>
@@ -8076,6 +7912,126 @@
           </a:p>
         </p:txBody>
       </p:sp>
+      <p:pic>
+        <p:nvPicPr>
+          <p:cNvPr id="13" name="Picture 12">
+            <a:extLst>
+              <a:ext uri="{FF2B5EF4-FFF2-40B4-BE49-F238E27FC236}">
+                <a16:creationId xmlns:a16="http://schemas.microsoft.com/office/drawing/2014/main" id="{9724A7FB-DBDC-E3AF-43B5-362791F70838}"/>
+              </a:ext>
+            </a:extLst>
+          </p:cNvPr>
+          <p:cNvPicPr>
+            <a:picLocks noChangeAspect="1"/>
+          </p:cNvPicPr>
+          <p:nvPr/>
+        </p:nvPicPr>
+        <p:blipFill>
+          <a:blip r:embed="rId14"/>
+          <a:stretch>
+            <a:fillRect/>
+          </a:stretch>
+        </p:blipFill>
+        <p:spPr>
+          <a:xfrm>
+            <a:off x="10970263" y="10445294"/>
+            <a:ext cx="6507509" cy="6556286"/>
+          </a:xfrm>
+          <a:prstGeom prst="rect">
+            <a:avLst/>
+          </a:prstGeom>
+          <a:ln>
+            <a:noFill/>
+          </a:ln>
+          <a:effectLst>
+            <a:outerShdw blurRad="292100" dist="139700" dir="2700000" algn="tl" rotWithShape="0">
+              <a:srgbClr val="333333">
+                <a:alpha val="65000"/>
+              </a:srgbClr>
+            </a:outerShdw>
+          </a:effectLst>
+        </p:spPr>
+      </p:pic>
+      <p:pic>
+        <p:nvPicPr>
+          <p:cNvPr id="15" name="Picture 14">
+            <a:extLst>
+              <a:ext uri="{FF2B5EF4-FFF2-40B4-BE49-F238E27FC236}">
+                <a16:creationId xmlns:a16="http://schemas.microsoft.com/office/drawing/2014/main" id="{5E440500-D26D-1B3B-47BD-C2AB307E35D6}"/>
+              </a:ext>
+            </a:extLst>
+          </p:cNvPr>
+          <p:cNvPicPr>
+            <a:picLocks noChangeAspect="1"/>
+          </p:cNvPicPr>
+          <p:nvPr/>
+        </p:nvPicPr>
+        <p:blipFill>
+          <a:blip r:embed="rId15"/>
+          <a:stretch>
+            <a:fillRect/>
+          </a:stretch>
+        </p:blipFill>
+        <p:spPr>
+          <a:xfrm>
+            <a:off x="10970263" y="19287650"/>
+            <a:ext cx="8420384" cy="3816190"/>
+          </a:xfrm>
+          <a:prstGeom prst="rect">
+            <a:avLst/>
+          </a:prstGeom>
+          <a:ln>
+            <a:noFill/>
+          </a:ln>
+          <a:effectLst>
+            <a:outerShdw blurRad="292100" dist="139700" dir="2700000" algn="tl" rotWithShape="0">
+              <a:srgbClr val="333333">
+                <a:alpha val="65000"/>
+              </a:srgbClr>
+            </a:outerShdw>
+          </a:effectLst>
+        </p:spPr>
+      </p:pic>
+      <p:pic>
+        <p:nvPicPr>
+          <p:cNvPr id="17" name="Picture 16">
+            <a:extLst>
+              <a:ext uri="{FF2B5EF4-FFF2-40B4-BE49-F238E27FC236}">
+                <a16:creationId xmlns:a16="http://schemas.microsoft.com/office/drawing/2014/main" id="{47C38A32-A145-FF6F-A79B-FAEEC2246B8A}"/>
+              </a:ext>
+            </a:extLst>
+          </p:cNvPr>
+          <p:cNvPicPr>
+            <a:picLocks noChangeAspect="1"/>
+          </p:cNvPicPr>
+          <p:nvPr/>
+        </p:nvPicPr>
+        <p:blipFill>
+          <a:blip r:embed="rId16"/>
+          <a:stretch>
+            <a:fillRect/>
+          </a:stretch>
+        </p:blipFill>
+        <p:spPr>
+          <a:xfrm>
+            <a:off x="10970263" y="25640431"/>
+            <a:ext cx="9175502" cy="4507963"/>
+          </a:xfrm>
+          <a:prstGeom prst="rect">
+            <a:avLst/>
+          </a:prstGeom>
+          <a:ln>
+            <a:noFill/>
+          </a:ln>
+          <a:effectLst>
+            <a:outerShdw blurRad="292100" dist="139700" dir="2700000" algn="tl" rotWithShape="0">
+              <a:srgbClr val="333333">
+                <a:alpha val="65000"/>
+              </a:srgbClr>
+            </a:outerShdw>
+          </a:effectLst>
+        </p:spPr>
+      </p:pic>
     </p:spTree>
   </p:cSld>
   <p:clrMapOvr>

--- a/CEMS Poster 430.pptx
+++ b/CEMS Poster 430.pptx
@@ -7541,42 +7541,6 @@
       </p:pic>
       <p:pic>
         <p:nvPicPr>
-          <p:cNvPr id="14" name="Picture 13" descr="A graph with different colored bars&#10;&#10;Description automatically generated">
-            <a:extLst>
-              <a:ext uri="{FF2B5EF4-FFF2-40B4-BE49-F238E27FC236}">
-                <a16:creationId xmlns:a16="http://schemas.microsoft.com/office/drawing/2014/main" id="{6448F024-8EBB-8784-FED0-545902BB574B}"/>
-              </a:ext>
-            </a:extLst>
-          </p:cNvPr>
-          <p:cNvPicPr>
-            <a:picLocks noChangeAspect="1"/>
-          </p:cNvPicPr>
-          <p:nvPr/>
-        </p:nvPicPr>
-        <p:blipFill>
-          <a:blip r:embed="rId11">
-            <a:extLst>
-              <a:ext uri="{28A0092B-C50C-407E-A947-70E740481C1C}">
-                <a14:useLocalDpi xmlns:a14="http://schemas.microsoft.com/office/drawing/2010/main" val="0"/>
-              </a:ext>
-            </a:extLst>
-          </a:blip>
-          <a:stretch>
-            <a:fillRect/>
-          </a:stretch>
-        </p:blipFill>
-        <p:spPr>
-          <a:xfrm>
-            <a:off x="34666778" y="17308232"/>
-            <a:ext cx="7379811" cy="4197375"/>
-          </a:xfrm>
-          <a:prstGeom prst="rect">
-            <a:avLst/>
-          </a:prstGeom>
-        </p:spPr>
-      </p:pic>
-      <p:pic>
-        <p:nvPicPr>
           <p:cNvPr id="1026" name="Picture 2" descr="Brute force Pattern Matching - Data Structures Tutorial | Study Glance">
             <a:extLst>
               <a:ext uri="{FF2B5EF4-FFF2-40B4-BE49-F238E27FC236}">
@@ -7590,7 +7554,7 @@
           <p:nvPr/>
         </p:nvPicPr>
         <p:blipFill>
-          <a:blip r:embed="rId12">
+          <a:blip r:embed="rId11">
             <a:extLst>
               <a:ext uri="{28A0092B-C50C-407E-A947-70E740481C1C}">
                 <a14:useLocalDpi xmlns:a14="http://schemas.microsoft.com/office/drawing/2010/main" val="0"/>
@@ -7657,7 +7621,7 @@
           <p:nvPr/>
         </p:nvPicPr>
         <p:blipFill rotWithShape="1">
-          <a:blip r:embed="rId13">
+          <a:blip r:embed="rId12">
             <a:extLst>
               <a:ext uri="{28A0092B-C50C-407E-A947-70E740481C1C}">
                 <a14:useLocalDpi xmlns:a14="http://schemas.microsoft.com/office/drawing/2010/main" val="0"/>
@@ -7927,7 +7891,7 @@
           <p:nvPr/>
         </p:nvPicPr>
         <p:blipFill>
-          <a:blip r:embed="rId14"/>
+          <a:blip r:embed="rId13"/>
           <a:stretch>
             <a:fillRect/>
           </a:stretch>
@@ -7967,7 +7931,7 @@
           <p:nvPr/>
         </p:nvPicPr>
         <p:blipFill>
-          <a:blip r:embed="rId15"/>
+          <a:blip r:embed="rId14"/>
           <a:stretch>
             <a:fillRect/>
           </a:stretch>
@@ -8007,7 +7971,7 @@
           <p:nvPr/>
         </p:nvPicPr>
         <p:blipFill>
-          <a:blip r:embed="rId16"/>
+          <a:blip r:embed="rId15"/>
           <a:stretch>
             <a:fillRect/>
           </a:stretch>
@@ -8030,6 +7994,46 @@
               </a:srgbClr>
             </a:outerShdw>
           </a:effectLst>
+        </p:spPr>
+      </p:pic>
+      <p:pic>
+        <p:nvPicPr>
+          <p:cNvPr id="11" name="Picture 10" descr="A graph with different colored bars&#10;&#10;Description automatically generated">
+            <a:extLst>
+              <a:ext uri="{FF2B5EF4-FFF2-40B4-BE49-F238E27FC236}">
+                <a16:creationId xmlns:a16="http://schemas.microsoft.com/office/drawing/2014/main" id="{ACFA860A-FB06-2DD6-45E8-1628C386BE60}"/>
+              </a:ext>
+            </a:extLst>
+          </p:cNvPr>
+          <p:cNvPicPr>
+            <a:picLocks noChangeAspect="1"/>
+          </p:cNvPicPr>
+          <p:nvPr/>
+        </p:nvPicPr>
+        <p:blipFill>
+          <a:blip r:embed="rId16">
+            <a:extLst>
+              <a:ext uri="{28A0092B-C50C-407E-A947-70E740481C1C}">
+                <a14:useLocalDpi xmlns:a14="http://schemas.microsoft.com/office/drawing/2010/main" val="0"/>
+              </a:ext>
+            </a:extLst>
+          </a:blip>
+          <a:srcRect b="1819"/>
+          <a:stretch/>
+        </p:blipFill>
+        <p:spPr>
+          <a:xfrm>
+            <a:off x="34757410" y="17235534"/>
+            <a:ext cx="7190006" cy="4029582"/>
+          </a:xfrm>
+          <a:prstGeom prst="rect">
+            <a:avLst/>
+          </a:prstGeom>
+          <a:ln>
+            <a:solidFill>
+              <a:schemeClr val="accent1"/>
+            </a:solidFill>
+          </a:ln>
         </p:spPr>
       </p:pic>
     </p:spTree>

--- a/CEMS Poster 430.pptx
+++ b/CEMS Poster 430.pptx
@@ -5238,7 +5238,7 @@
                 <a:latin typeface="Helvetica"/>
                 <a:cs typeface="Helvetica"/>
               </a:rPr>
-              <a:t>). </a:t>
+              <a:t>). When we attempt to change the q value for the algorithm, we see that we’re still at our fastest when q equals 101.</a:t>
             </a:r>
           </a:p>
           <a:p>
@@ -8023,7 +8023,7 @@
         </p:blipFill>
         <p:spPr>
           <a:xfrm>
-            <a:off x="34757410" y="17235534"/>
+            <a:off x="34757410" y="17625624"/>
             <a:ext cx="7190006" cy="4029582"/>
           </a:xfrm>
           <a:prstGeom prst="rect">

--- a/CEMS Poster 430.pptx
+++ b/CEMS Poster 430.pptx
@@ -4731,17 +4731,16 @@
             </a:pPr>
             <a:r>
               <a:rPr lang="en-US" altLang="en-US" sz="1800" dirty="0"/>
-              <a:t>Rabin-Karp algorithms utilizes hashes to save the text and pattern to check if the inputted pattern, the word “the” in our case, to check if the text contains the pattern. It uses a for loop to check if the pattern matches the hash set and if it doesn’t then the hash for the text moves up based on the length of the pattern to restart the process until either the entirety of the text is gone through, or the pattern is found in the text.</a:t>
-            </a:r>
-          </a:p>
-          <a:p>
-            <a:pPr eaLnBrk="1" hangingPunct="1">
-              <a:spcBef>
-                <a:spcPct val="10000"/>
-              </a:spcBef>
-              <a:buFontTx/>
-              <a:buNone/>
-            </a:pPr>
+              <a:t>The Rabin-Karp algorithm uses hashing to compare the text and pattern, which in our case is the word "the," to determine if the text contains the pattern. The algorithm runs a for loop to check if the pattern's hash matches any text substring's hash. If there’s no match, the hash shifts by the pattern length, restarting the process until the pattern is found or the text is fully examined. We tested various values </a:t>
+            </a:r>
+            <a:r>
+              <a:rPr lang="en-US" altLang="en-US" sz="1800"/>
+              <a:t>for (q), </a:t>
+            </a:r>
+            <a:r>
+              <a:rPr lang="en-US" altLang="en-US" sz="1800" dirty="0"/>
+              <a:t>finding that 101 yielded the best performance for this search.</a:t>
+            </a:r>
             <a:endParaRPr lang="en-US" altLang="en-US" sz="2400" dirty="0"/>
           </a:p>
           <a:p>
@@ -7938,7 +7937,7 @@
         </p:blipFill>
         <p:spPr>
           <a:xfrm>
-            <a:off x="10970263" y="19287650"/>
+            <a:off x="10970263" y="19308432"/>
             <a:ext cx="8420384" cy="3816190"/>
           </a:xfrm>
           <a:prstGeom prst="rect">

--- a/CEMS Poster 430.pptx
+++ b/CEMS Poster 430.pptx
@@ -4731,15 +4731,7 @@
             </a:pPr>
             <a:r>
               <a:rPr lang="en-US" altLang="en-US" sz="1800" dirty="0"/>
-              <a:t>The Rabin-Karp algorithm uses hashing to compare the text and pattern, which in our case is the word "the," to determine if the text contains the pattern. The algorithm runs a for loop to check if the pattern's hash matches any text substring's hash. If there’s no match, the hash shifts by the pattern length, restarting the process until the pattern is found or the text is fully examined. We tested various values </a:t>
-            </a:r>
-            <a:r>
-              <a:rPr lang="en-US" altLang="en-US" sz="1800"/>
-              <a:t>for (q), </a:t>
-            </a:r>
-            <a:r>
-              <a:rPr lang="en-US" altLang="en-US" sz="1800" dirty="0"/>
-              <a:t>finding that 101 yielded the best performance for this search.</a:t>
+              <a:t>The Rabin-Karp algorithm uses hashing to compare the text and pattern, which in our case is the word "the," to determine if the text contains the pattern. The algorithm runs a for loop to check if the pattern's hash matches any text substring's hash. If there’s no match, the hash shifts by the pattern length, restarting the process until the pattern is found or the text is fully examined. We tested various values for (q), finding that 101 yielded the best performance for this search.</a:t>
             </a:r>
             <a:endParaRPr lang="en-US" altLang="en-US" sz="2400" dirty="0"/>
           </a:p>
@@ -6032,7 +6024,7 @@
         </p:nvSpPr>
         <p:spPr bwMode="auto">
           <a:xfrm>
-            <a:off x="5564899" y="24532435"/>
+            <a:off x="5590212" y="27762826"/>
             <a:ext cx="3341763" cy="1107996"/>
           </a:xfrm>
           <a:prstGeom prst="rect">
@@ -6210,7 +6202,7 @@
               <a:rPr lang="en-US" altLang="en-US" sz="2000" b="1" dirty="0">
                 <a:latin typeface="Helvetica" pitchFamily="2" charset="0"/>
               </a:rPr>
-              <a:t>Figure 2</a:t>
+              <a:t>Figure 3</a:t>
             </a:r>
             <a:r>
               <a:rPr lang="en-US" altLang="en-US" sz="2000" dirty="0">
@@ -7567,7 +7559,7 @@
         </p:blipFill>
         <p:spPr bwMode="auto">
           <a:xfrm>
-            <a:off x="1957355" y="24346168"/>
+            <a:off x="1959613" y="27652721"/>
             <a:ext cx="3039442" cy="2650857"/>
           </a:xfrm>
           <a:prstGeom prst="rect">
@@ -7605,276 +7597,297 @@
           </a:sp3d>
         </p:spPr>
       </p:pic>
-      <p:pic>
-        <p:nvPicPr>
-          <p:cNvPr id="1028" name="Picture 4" descr="Rabin-Karp Algorithm | Concept | Horner's Rule | Part 1">
+      <p:grpSp>
+        <p:nvGrpSpPr>
+          <p:cNvPr id="4" name="Group 3">
             <a:extLst>
               <a:ext uri="{FF2B5EF4-FFF2-40B4-BE49-F238E27FC236}">
-                <a16:creationId xmlns:a16="http://schemas.microsoft.com/office/drawing/2014/main" id="{8026BBE1-285C-48F8-DAF0-B740B5B7CE84}"/>
+                <a16:creationId xmlns:a16="http://schemas.microsoft.com/office/drawing/2014/main" id="{91794B15-24A8-C1FA-ABBC-D9EE2FF9610B}"/>
               </a:ext>
             </a:extLst>
           </p:cNvPr>
-          <p:cNvPicPr>
-            <a:picLocks noChangeAspect="1" noChangeArrowheads="1"/>
-          </p:cNvPicPr>
+          <p:cNvGrpSpPr/>
           <p:nvPr/>
-        </p:nvPicPr>
-        <p:blipFill rotWithShape="1">
-          <a:blip r:embed="rId12">
+        </p:nvGrpSpPr>
+        <p:grpSpPr>
+          <a:xfrm>
+            <a:off x="1959613" y="24571721"/>
+            <a:ext cx="6914590" cy="2329716"/>
+            <a:chOff x="1959613" y="24712697"/>
+            <a:chExt cx="6914590" cy="2329716"/>
+          </a:xfrm>
+        </p:grpSpPr>
+        <p:pic>
+          <p:nvPicPr>
+            <p:cNvPr id="1028" name="Picture 4" descr="Rabin-Karp Algorithm | Concept | Horner's Rule | Part 1">
+              <a:extLst>
+                <a:ext uri="{FF2B5EF4-FFF2-40B4-BE49-F238E27FC236}">
+                  <a16:creationId xmlns:a16="http://schemas.microsoft.com/office/drawing/2014/main" id="{8026BBE1-285C-48F8-DAF0-B740B5B7CE84}"/>
+                </a:ext>
+              </a:extLst>
+            </p:cNvPr>
+            <p:cNvPicPr>
+              <a:picLocks noChangeAspect="1" noChangeArrowheads="1"/>
+            </p:cNvPicPr>
+            <p:nvPr/>
+          </p:nvPicPr>
+          <p:blipFill rotWithShape="1">
+            <a:blip r:embed="rId12">
+              <a:extLst>
+                <a:ext uri="{28A0092B-C50C-407E-A947-70E740481C1C}">
+                  <a14:useLocalDpi xmlns:a14="http://schemas.microsoft.com/office/drawing/2010/main" val="0"/>
+                </a:ext>
+              </a:extLst>
+            </a:blip>
+            <a:srcRect l="9218" t="40001" r="56564" b="12500"/>
+            <a:stretch/>
+          </p:blipFill>
+          <p:spPr bwMode="auto">
+            <a:xfrm>
+              <a:off x="1959613" y="24712697"/>
+              <a:ext cx="2983671" cy="2329716"/>
+            </a:xfrm>
+            <a:prstGeom prst="rect">
+              <a:avLst/>
+            </a:prstGeom>
+            <a:solidFill>
+              <a:srgbClr val="FFFFFF">
+                <a:shade val="85000"/>
+              </a:srgbClr>
+            </a:solidFill>
+            <a:ln w="88900" cap="sq">
+              <a:solidFill>
+                <a:srgbClr val="FFFFFF"/>
+              </a:solidFill>
+              <a:miter lim="800000"/>
+            </a:ln>
+            <a:effectLst>
+              <a:outerShdw blurRad="55000" dist="18000" dir="5400000" algn="tl" rotWithShape="0">
+                <a:srgbClr val="000000">
+                  <a:alpha val="40000"/>
+                </a:srgbClr>
+              </a:outerShdw>
+            </a:effectLst>
+            <a:scene3d>
+              <a:camera prst="orthographicFront"/>
+              <a:lightRig rig="twoPt" dir="t">
+                <a:rot lat="0" lon="0" rev="7200000"/>
+              </a:lightRig>
+            </a:scene3d>
+            <a:sp3d>
+              <a:bevelT w="25400" h="19050"/>
+              <a:contourClr>
+                <a:srgbClr val="FFFFFF"/>
+              </a:contourClr>
+            </a:sp3d>
+          </p:spPr>
+        </p:pic>
+        <p:sp>
+          <p:nvSpPr>
+            <p:cNvPr id="2" name="Text Box 33">
+              <a:extLst>
+                <a:ext uri="{FF2B5EF4-FFF2-40B4-BE49-F238E27FC236}">
+                  <a16:creationId xmlns:a16="http://schemas.microsoft.com/office/drawing/2014/main" id="{2D9BE255-A486-D070-DAAD-FCE22B870AF3}"/>
+                </a:ext>
+              </a:extLst>
+            </p:cNvPr>
+            <p:cNvSpPr txBox="1">
+              <a:spLocks noChangeArrowheads="1"/>
+            </p:cNvSpPr>
+            <p:nvPr/>
+          </p:nvSpPr>
+          <p:spPr bwMode="auto">
+            <a:xfrm>
+              <a:off x="5532440" y="24805629"/>
+              <a:ext cx="3341763" cy="1107996"/>
+            </a:xfrm>
+            <a:prstGeom prst="rect">
+              <a:avLst/>
+            </a:prstGeom>
+            <a:noFill/>
+            <a:ln>
+              <a:noFill/>
+            </a:ln>
+            <a:effectLst/>
             <a:extLst>
-              <a:ext uri="{28A0092B-C50C-407E-A947-70E740481C1C}">
-                <a14:useLocalDpi xmlns:a14="http://schemas.microsoft.com/office/drawing/2010/main" val="0"/>
+              <a:ext uri="{909E8E84-426E-40DD-AFC4-6F175D3DCCD1}">
+                <a14:hiddenFill xmlns:a14="http://schemas.microsoft.com/office/drawing/2010/main">
+                  <a:solidFill>
+                    <a:schemeClr val="bg1"/>
+                  </a:solidFill>
+                </a14:hiddenFill>
+              </a:ext>
+              <a:ext uri="{91240B29-F687-4F45-9708-019B960494DF}">
+                <a14:hiddenLine xmlns:a14="http://schemas.microsoft.com/office/drawing/2010/main" w="9525">
+                  <a:solidFill>
+                    <a:schemeClr val="bg2"/>
+                  </a:solidFill>
+                  <a:miter lim="800000"/>
+                  <a:headEnd/>
+                  <a:tailEnd/>
+                </a14:hiddenLine>
+              </a:ext>
+              <a:ext uri="{AF507438-7753-43E0-B8FC-AC1667EBCBE1}">
+                <a14:hiddenEffects xmlns:a14="http://schemas.microsoft.com/office/drawing/2010/main">
+                  <a:effectLst>
+                    <a:outerShdw dist="35921" dir="2700000" algn="ctr" rotWithShape="0">
+                      <a:schemeClr val="bg2"/>
+                    </a:outerShdw>
+                  </a:effectLst>
+                </a14:hiddenEffects>
               </a:ext>
             </a:extLst>
-          </a:blip>
-          <a:srcRect l="9218" t="40001" r="56564" b="12500"/>
-          <a:stretch/>
-        </p:blipFill>
-        <p:spPr bwMode="auto">
-          <a:xfrm>
-            <a:off x="1965278" y="27522756"/>
-            <a:ext cx="2983671" cy="2329716"/>
-          </a:xfrm>
-          <a:prstGeom prst="rect">
-            <a:avLst/>
-          </a:prstGeom>
-          <a:solidFill>
-            <a:srgbClr val="FFFFFF">
-              <a:shade val="85000"/>
-            </a:srgbClr>
-          </a:solidFill>
-          <a:ln w="88900" cap="sq">
-            <a:solidFill>
-              <a:srgbClr val="FFFFFF"/>
-            </a:solidFill>
-            <a:miter lim="800000"/>
-          </a:ln>
-          <a:effectLst>
-            <a:outerShdw blurRad="55000" dist="18000" dir="5400000" algn="tl" rotWithShape="0">
-              <a:srgbClr val="000000">
-                <a:alpha val="40000"/>
-              </a:srgbClr>
-            </a:outerShdw>
-          </a:effectLst>
-          <a:scene3d>
-            <a:camera prst="orthographicFront"/>
-            <a:lightRig rig="twoPt" dir="t">
-              <a:rot lat="0" lon="0" rev="7200000"/>
-            </a:lightRig>
-          </a:scene3d>
-          <a:sp3d>
-            <a:bevelT w="25400" h="19050"/>
-            <a:contourClr>
-              <a:srgbClr val="FFFFFF"/>
-            </a:contourClr>
-          </a:sp3d>
-        </p:spPr>
-      </p:pic>
-      <p:sp>
-        <p:nvSpPr>
-          <p:cNvPr id="2" name="Text Box 33">
-            <a:extLst>
-              <a:ext uri="{FF2B5EF4-FFF2-40B4-BE49-F238E27FC236}">
-                <a16:creationId xmlns:a16="http://schemas.microsoft.com/office/drawing/2014/main" id="{2D9BE255-A486-D070-DAAD-FCE22B870AF3}"/>
-              </a:ext>
-            </a:extLst>
-          </p:cNvPr>
-          <p:cNvSpPr txBox="1">
-            <a:spLocks noChangeArrowheads="1"/>
-          </p:cNvSpPr>
-          <p:nvPr/>
-        </p:nvSpPr>
-        <p:spPr bwMode="auto">
-          <a:xfrm>
-            <a:off x="5532440" y="27787473"/>
-            <a:ext cx="3341763" cy="1107996"/>
-          </a:xfrm>
-          <a:prstGeom prst="rect">
-            <a:avLst/>
-          </a:prstGeom>
-          <a:noFill/>
-          <a:ln>
-            <a:noFill/>
-          </a:ln>
-          <a:effectLst/>
-          <a:extLst>
-            <a:ext uri="{909E8E84-426E-40DD-AFC4-6F175D3DCCD1}">
-              <a14:hiddenFill xmlns:a14="http://schemas.microsoft.com/office/drawing/2010/main">
-                <a:solidFill>
-                  <a:schemeClr val="bg1"/>
-                </a:solidFill>
-              </a14:hiddenFill>
-            </a:ext>
-            <a:ext uri="{91240B29-F687-4F45-9708-019B960494DF}">
-              <a14:hiddenLine xmlns:a14="http://schemas.microsoft.com/office/drawing/2010/main" w="9525">
-                <a:solidFill>
-                  <a:schemeClr val="bg2"/>
-                </a:solidFill>
-                <a:miter lim="800000"/>
-                <a:headEnd/>
-                <a:tailEnd/>
-              </a14:hiddenLine>
-            </a:ext>
-            <a:ext uri="{AF507438-7753-43E0-B8FC-AC1667EBCBE1}">
-              <a14:hiddenEffects xmlns:a14="http://schemas.microsoft.com/office/drawing/2010/main">
-                <a:effectLst>
-                  <a:outerShdw dist="35921" dir="2700000" algn="ctr" rotWithShape="0">
-                    <a:schemeClr val="bg2"/>
-                  </a:outerShdw>
-                </a:effectLst>
-              </a14:hiddenEffects>
-            </a:ext>
-          </a:extLst>
-        </p:spPr>
-        <p:txBody>
-          <a:bodyPr wrap="square" tIns="91440" bIns="91440">
-            <a:spAutoFit/>
-          </a:bodyPr>
-          <a:lstStyle>
-            <a:lvl1pPr>
-              <a:spcBef>
-                <a:spcPct val="20000"/>
-              </a:spcBef>
-              <a:buChar char="•"/>
-              <a:defRPr sz="14300">
-                <a:solidFill>
-                  <a:schemeClr val="tx1"/>
-                </a:solidFill>
-                <a:latin typeface="Times New Roman" panose="02020603050405020304" pitchFamily="18" charset="0"/>
-              </a:defRPr>
-            </a:lvl1pPr>
-            <a:lvl2pPr marL="742950" indent="-285750">
-              <a:spcBef>
-                <a:spcPct val="20000"/>
-              </a:spcBef>
-              <a:buChar char="–"/>
-              <a:defRPr sz="12500">
-                <a:solidFill>
-                  <a:schemeClr val="tx1"/>
-                </a:solidFill>
-                <a:latin typeface="Times New Roman" panose="02020603050405020304" pitchFamily="18" charset="0"/>
-              </a:defRPr>
-            </a:lvl2pPr>
-            <a:lvl3pPr marL="1143000" indent="-228600">
-              <a:spcBef>
-                <a:spcPct val="20000"/>
-              </a:spcBef>
-              <a:buChar char="•"/>
-              <a:defRPr sz="10700">
-                <a:solidFill>
-                  <a:schemeClr val="tx1"/>
-                </a:solidFill>
-                <a:latin typeface="Times New Roman" panose="02020603050405020304" pitchFamily="18" charset="0"/>
-              </a:defRPr>
-            </a:lvl3pPr>
-            <a:lvl4pPr marL="1600200" indent="-228600">
-              <a:spcBef>
-                <a:spcPct val="20000"/>
-              </a:spcBef>
-              <a:buChar char="–"/>
-              <a:defRPr sz="8900">
-                <a:solidFill>
-                  <a:schemeClr val="tx1"/>
-                </a:solidFill>
-                <a:latin typeface="Times New Roman" panose="02020603050405020304" pitchFamily="18" charset="0"/>
-              </a:defRPr>
-            </a:lvl4pPr>
-            <a:lvl5pPr marL="2057400" indent="-228600">
-              <a:spcBef>
-                <a:spcPct val="20000"/>
-              </a:spcBef>
-              <a:buChar char="»"/>
-              <a:defRPr sz="8900">
-                <a:solidFill>
-                  <a:schemeClr val="tx1"/>
-                </a:solidFill>
-                <a:latin typeface="Times New Roman" panose="02020603050405020304" pitchFamily="18" charset="0"/>
-              </a:defRPr>
-            </a:lvl5pPr>
-            <a:lvl6pPr marL="2514600" indent="-228600" eaLnBrk="0" fontAlgn="base" hangingPunct="0">
-              <a:spcBef>
-                <a:spcPct val="20000"/>
-              </a:spcBef>
-              <a:spcAft>
-                <a:spcPct val="0"/>
-              </a:spcAft>
-              <a:buChar char="»"/>
-              <a:defRPr sz="8900">
-                <a:solidFill>
-                  <a:schemeClr val="tx1"/>
-                </a:solidFill>
-                <a:latin typeface="Times New Roman" panose="02020603050405020304" pitchFamily="18" charset="0"/>
-              </a:defRPr>
-            </a:lvl6pPr>
-            <a:lvl7pPr marL="2971800" indent="-228600" eaLnBrk="0" fontAlgn="base" hangingPunct="0">
-              <a:spcBef>
-                <a:spcPct val="20000"/>
-              </a:spcBef>
-              <a:spcAft>
-                <a:spcPct val="0"/>
-              </a:spcAft>
-              <a:buChar char="»"/>
-              <a:defRPr sz="8900">
-                <a:solidFill>
-                  <a:schemeClr val="tx1"/>
-                </a:solidFill>
-                <a:latin typeface="Times New Roman" panose="02020603050405020304" pitchFamily="18" charset="0"/>
-              </a:defRPr>
-            </a:lvl7pPr>
-            <a:lvl8pPr marL="3429000" indent="-228600" eaLnBrk="0" fontAlgn="base" hangingPunct="0">
-              <a:spcBef>
-                <a:spcPct val="20000"/>
-              </a:spcBef>
-              <a:spcAft>
-                <a:spcPct val="0"/>
-              </a:spcAft>
-              <a:buChar char="»"/>
-              <a:defRPr sz="8900">
-                <a:solidFill>
-                  <a:schemeClr val="tx1"/>
-                </a:solidFill>
-                <a:latin typeface="Times New Roman" panose="02020603050405020304" pitchFamily="18" charset="0"/>
-              </a:defRPr>
-            </a:lvl8pPr>
-            <a:lvl9pPr marL="3886200" indent="-228600" eaLnBrk="0" fontAlgn="base" hangingPunct="0">
-              <a:spcBef>
-                <a:spcPct val="20000"/>
-              </a:spcBef>
-              <a:spcAft>
-                <a:spcPct val="0"/>
-              </a:spcAft>
-              <a:buChar char="»"/>
-              <a:defRPr sz="8900">
-                <a:solidFill>
-                  <a:schemeClr val="tx1"/>
-                </a:solidFill>
-                <a:latin typeface="Times New Roman" panose="02020603050405020304" pitchFamily="18" charset="0"/>
-              </a:defRPr>
-            </a:lvl9pPr>
-          </a:lstStyle>
-          <a:p>
-            <a:pPr eaLnBrk="1" hangingPunct="1">
-              <a:spcBef>
-                <a:spcPct val="0"/>
-              </a:spcBef>
-              <a:buFontTx/>
-              <a:buNone/>
-            </a:pPr>
-            <a:r>
-              <a:rPr lang="en-US" altLang="en-US" sz="2000" b="1" dirty="0">
-                <a:latin typeface="Helvetica" pitchFamily="2" charset="0"/>
-              </a:rPr>
-              <a:t>Figure 3</a:t>
-            </a:r>
-            <a:r>
-              <a:rPr lang="en-US" altLang="en-US" sz="2000" dirty="0">
-                <a:latin typeface="Helvetica" pitchFamily="2" charset="0"/>
-              </a:rPr>
-              <a:t>. Visualization of the Rabin Karp algorithm string matching</a:t>
-            </a:r>
-          </a:p>
-        </p:txBody>
-      </p:sp>
+          </p:spPr>
+          <p:txBody>
+            <a:bodyPr wrap="square" tIns="91440" bIns="91440">
+              <a:spAutoFit/>
+            </a:bodyPr>
+            <a:lstStyle>
+              <a:lvl1pPr>
+                <a:spcBef>
+                  <a:spcPct val="20000"/>
+                </a:spcBef>
+                <a:buChar char="•"/>
+                <a:defRPr sz="14300">
+                  <a:solidFill>
+                    <a:schemeClr val="tx1"/>
+                  </a:solidFill>
+                  <a:latin typeface="Times New Roman" panose="02020603050405020304" pitchFamily="18" charset="0"/>
+                </a:defRPr>
+              </a:lvl1pPr>
+              <a:lvl2pPr marL="742950" indent="-285750">
+                <a:spcBef>
+                  <a:spcPct val="20000"/>
+                </a:spcBef>
+                <a:buChar char="–"/>
+                <a:defRPr sz="12500">
+                  <a:solidFill>
+                    <a:schemeClr val="tx1"/>
+                  </a:solidFill>
+                  <a:latin typeface="Times New Roman" panose="02020603050405020304" pitchFamily="18" charset="0"/>
+                </a:defRPr>
+              </a:lvl2pPr>
+              <a:lvl3pPr marL="1143000" indent="-228600">
+                <a:spcBef>
+                  <a:spcPct val="20000"/>
+                </a:spcBef>
+                <a:buChar char="•"/>
+                <a:defRPr sz="10700">
+                  <a:solidFill>
+                    <a:schemeClr val="tx1"/>
+                  </a:solidFill>
+                  <a:latin typeface="Times New Roman" panose="02020603050405020304" pitchFamily="18" charset="0"/>
+                </a:defRPr>
+              </a:lvl3pPr>
+              <a:lvl4pPr marL="1600200" indent="-228600">
+                <a:spcBef>
+                  <a:spcPct val="20000"/>
+                </a:spcBef>
+                <a:buChar char="–"/>
+                <a:defRPr sz="8900">
+                  <a:solidFill>
+                    <a:schemeClr val="tx1"/>
+                  </a:solidFill>
+                  <a:latin typeface="Times New Roman" panose="02020603050405020304" pitchFamily="18" charset="0"/>
+                </a:defRPr>
+              </a:lvl4pPr>
+              <a:lvl5pPr marL="2057400" indent="-228600">
+                <a:spcBef>
+                  <a:spcPct val="20000"/>
+                </a:spcBef>
+                <a:buChar char="»"/>
+                <a:defRPr sz="8900">
+                  <a:solidFill>
+                    <a:schemeClr val="tx1"/>
+                  </a:solidFill>
+                  <a:latin typeface="Times New Roman" panose="02020603050405020304" pitchFamily="18" charset="0"/>
+                </a:defRPr>
+              </a:lvl5pPr>
+              <a:lvl6pPr marL="2514600" indent="-228600" eaLnBrk="0" fontAlgn="base" hangingPunct="0">
+                <a:spcBef>
+                  <a:spcPct val="20000"/>
+                </a:spcBef>
+                <a:spcAft>
+                  <a:spcPct val="0"/>
+                </a:spcAft>
+                <a:buChar char="»"/>
+                <a:defRPr sz="8900">
+                  <a:solidFill>
+                    <a:schemeClr val="tx1"/>
+                  </a:solidFill>
+                  <a:latin typeface="Times New Roman" panose="02020603050405020304" pitchFamily="18" charset="0"/>
+                </a:defRPr>
+              </a:lvl6pPr>
+              <a:lvl7pPr marL="2971800" indent="-228600" eaLnBrk="0" fontAlgn="base" hangingPunct="0">
+                <a:spcBef>
+                  <a:spcPct val="20000"/>
+                </a:spcBef>
+                <a:spcAft>
+                  <a:spcPct val="0"/>
+                </a:spcAft>
+                <a:buChar char="»"/>
+                <a:defRPr sz="8900">
+                  <a:solidFill>
+                    <a:schemeClr val="tx1"/>
+                  </a:solidFill>
+                  <a:latin typeface="Times New Roman" panose="02020603050405020304" pitchFamily="18" charset="0"/>
+                </a:defRPr>
+              </a:lvl7pPr>
+              <a:lvl8pPr marL="3429000" indent="-228600" eaLnBrk="0" fontAlgn="base" hangingPunct="0">
+                <a:spcBef>
+                  <a:spcPct val="20000"/>
+                </a:spcBef>
+                <a:spcAft>
+                  <a:spcPct val="0"/>
+                </a:spcAft>
+                <a:buChar char="»"/>
+                <a:defRPr sz="8900">
+                  <a:solidFill>
+                    <a:schemeClr val="tx1"/>
+                  </a:solidFill>
+                  <a:latin typeface="Times New Roman" panose="02020603050405020304" pitchFamily="18" charset="0"/>
+                </a:defRPr>
+              </a:lvl8pPr>
+              <a:lvl9pPr marL="3886200" indent="-228600" eaLnBrk="0" fontAlgn="base" hangingPunct="0">
+                <a:spcBef>
+                  <a:spcPct val="20000"/>
+                </a:spcBef>
+                <a:spcAft>
+                  <a:spcPct val="0"/>
+                </a:spcAft>
+                <a:buChar char="»"/>
+                <a:defRPr sz="8900">
+                  <a:solidFill>
+                    <a:schemeClr val="tx1"/>
+                  </a:solidFill>
+                  <a:latin typeface="Times New Roman" panose="02020603050405020304" pitchFamily="18" charset="0"/>
+                </a:defRPr>
+              </a:lvl9pPr>
+            </a:lstStyle>
+            <a:p>
+              <a:pPr eaLnBrk="1" hangingPunct="1">
+                <a:spcBef>
+                  <a:spcPct val="0"/>
+                </a:spcBef>
+                <a:buFontTx/>
+                <a:buNone/>
+              </a:pPr>
+              <a:r>
+                <a:rPr lang="en-US" altLang="en-US" sz="2000" b="1" dirty="0">
+                  <a:latin typeface="Helvetica" pitchFamily="2" charset="0"/>
+                </a:rPr>
+                <a:t>Figure 2</a:t>
+              </a:r>
+              <a:r>
+                <a:rPr lang="en-US" altLang="en-US" sz="2000" dirty="0">
+                  <a:latin typeface="Helvetica" pitchFamily="2" charset="0"/>
+                </a:rPr>
+                <a:t>. Visualization of the Rabin Karp algorithm string matching</a:t>
+              </a:r>
+            </a:p>
+          </p:txBody>
+        </p:sp>
+      </p:grpSp>
       <p:pic>
         <p:nvPicPr>
           <p:cNvPr id="13" name="Picture 12">
@@ -7930,15 +7943,20 @@
           <p:nvPr/>
         </p:nvPicPr>
         <p:blipFill>
-          <a:blip r:embed="rId14"/>
-          <a:stretch>
-            <a:fillRect/>
-          </a:stretch>
+          <a:blip r:embed="rId14">
+            <a:extLst>
+              <a:ext uri="{28A0092B-C50C-407E-A947-70E740481C1C}">
+                <a14:useLocalDpi xmlns:a14="http://schemas.microsoft.com/office/drawing/2010/main" val="0"/>
+              </a:ext>
+            </a:extLst>
+          </a:blip>
+          <a:srcRect/>
+          <a:stretch/>
         </p:blipFill>
         <p:spPr>
           <a:xfrm>
-            <a:off x="10970263" y="19308432"/>
-            <a:ext cx="8420384" cy="3816190"/>
+            <a:off x="10981036" y="19308432"/>
+            <a:ext cx="7927450" cy="3816190"/>
           </a:xfrm>
           <a:prstGeom prst="rect">
             <a:avLst/>

--- a/CEMS Poster 430.pptx
+++ b/CEMS Poster 430.pptx
@@ -7955,7 +7955,7 @@
         </p:blipFill>
         <p:spPr>
           <a:xfrm>
-            <a:off x="10981036" y="19308432"/>
+            <a:off x="10970263" y="19308432"/>
             <a:ext cx="7927450" cy="3816190"/>
           </a:xfrm>
           <a:prstGeom prst="rect">
